--- a/Defense Heroes/졸작 기획서/용사를 막아라!-기획서.pptx
+++ b/Defense Heroes/졸작 기획서/용사를 막아라!-기획서.pptx
@@ -21,6 +21,8 @@
     <p:sldId id="272" r:id="rId15"/>
     <p:sldId id="270" r:id="rId16"/>
     <p:sldId id="271" r:id="rId17"/>
+    <p:sldId id="274" r:id="rId18"/>
+    <p:sldId id="273" r:id="rId19"/>
   </p:sldIdLst>
   <p:sldSz cx="9144000" cy="6858000" type="screen4x3"/>
   <p:notesSz cx="6858000" cy="9144000"/>
@@ -295,7 +297,7 @@
           <a:p>
             <a:fld id="{2C2D2980-142A-4F8D-8CF3-031F85C96FA0}" type="datetimeFigureOut">
               <a:rPr lang="ko-KR" altLang="en-US" smtClean="0"/>
-              <a:t>2016-01-11</a:t>
+              <a:t>2016-01-19</a:t>
             </a:fld>
             <a:endParaRPr lang="ko-KR" altLang="en-US"/>
           </a:p>
@@ -460,7 +462,7 @@
           <a:p>
             <a:fld id="{2C2D2980-142A-4F8D-8CF3-031F85C96FA0}" type="datetimeFigureOut">
               <a:rPr lang="ko-KR" altLang="en-US" smtClean="0"/>
-              <a:t>2016-01-11</a:t>
+              <a:t>2016-01-19</a:t>
             </a:fld>
             <a:endParaRPr lang="ko-KR" altLang="en-US"/>
           </a:p>
@@ -635,7 +637,7 @@
           <a:p>
             <a:fld id="{2C2D2980-142A-4F8D-8CF3-031F85C96FA0}" type="datetimeFigureOut">
               <a:rPr lang="ko-KR" altLang="en-US" smtClean="0"/>
-              <a:t>2016-01-11</a:t>
+              <a:t>2016-01-19</a:t>
             </a:fld>
             <a:endParaRPr lang="ko-KR" altLang="en-US"/>
           </a:p>
@@ -800,7 +802,7 @@
           <a:p>
             <a:fld id="{2C2D2980-142A-4F8D-8CF3-031F85C96FA0}" type="datetimeFigureOut">
               <a:rPr lang="ko-KR" altLang="en-US" smtClean="0"/>
-              <a:t>2016-01-11</a:t>
+              <a:t>2016-01-19</a:t>
             </a:fld>
             <a:endParaRPr lang="ko-KR" altLang="en-US"/>
           </a:p>
@@ -1042,7 +1044,7 @@
           <a:p>
             <a:fld id="{2C2D2980-142A-4F8D-8CF3-031F85C96FA0}" type="datetimeFigureOut">
               <a:rPr lang="ko-KR" altLang="en-US" smtClean="0"/>
-              <a:t>2016-01-11</a:t>
+              <a:t>2016-01-19</a:t>
             </a:fld>
             <a:endParaRPr lang="ko-KR" altLang="en-US"/>
           </a:p>
@@ -1306,7 +1308,7 @@
           <a:p>
             <a:fld id="{2C2D2980-142A-4F8D-8CF3-031F85C96FA0}" type="datetimeFigureOut">
               <a:rPr lang="ko-KR" altLang="en-US" smtClean="0"/>
-              <a:t>2016-01-11</a:t>
+              <a:t>2016-01-19</a:t>
             </a:fld>
             <a:endParaRPr lang="ko-KR" altLang="en-US"/>
           </a:p>
@@ -1684,7 +1686,7 @@
           <a:p>
             <a:fld id="{2C2D2980-142A-4F8D-8CF3-031F85C96FA0}" type="datetimeFigureOut">
               <a:rPr lang="ko-KR" altLang="en-US" smtClean="0"/>
-              <a:t>2016-01-11</a:t>
+              <a:t>2016-01-19</a:t>
             </a:fld>
             <a:endParaRPr lang="ko-KR" altLang="en-US"/>
           </a:p>
@@ -1834,7 +1836,7 @@
           <a:p>
             <a:fld id="{2C2D2980-142A-4F8D-8CF3-031F85C96FA0}" type="datetimeFigureOut">
               <a:rPr lang="ko-KR" altLang="en-US" smtClean="0"/>
-              <a:t>2016-01-11</a:t>
+              <a:t>2016-01-19</a:t>
             </a:fld>
             <a:endParaRPr lang="ko-KR" altLang="en-US"/>
           </a:p>
@@ -1924,7 +1926,7 @@
           <a:p>
             <a:fld id="{2C2D2980-142A-4F8D-8CF3-031F85C96FA0}" type="datetimeFigureOut">
               <a:rPr lang="ko-KR" altLang="en-US" smtClean="0"/>
-              <a:t>2016-01-11</a:t>
+              <a:t>2016-01-19</a:t>
             </a:fld>
             <a:endParaRPr lang="ko-KR" altLang="en-US"/>
           </a:p>
@@ -2185,7 +2187,7 @@
           <a:p>
             <a:fld id="{2C2D2980-142A-4F8D-8CF3-031F85C96FA0}" type="datetimeFigureOut">
               <a:rPr lang="ko-KR" altLang="en-US" smtClean="0"/>
-              <a:t>2016-01-11</a:t>
+              <a:t>2016-01-19</a:t>
             </a:fld>
             <a:endParaRPr lang="ko-KR" altLang="en-US"/>
           </a:p>
@@ -2473,7 +2475,7 @@
           <a:p>
             <a:fld id="{2C2D2980-142A-4F8D-8CF3-031F85C96FA0}" type="datetimeFigureOut">
               <a:rPr lang="ko-KR" altLang="en-US" smtClean="0"/>
-              <a:t>2016-01-11</a:t>
+              <a:t>2016-01-19</a:t>
             </a:fld>
             <a:endParaRPr lang="ko-KR" altLang="en-US"/>
           </a:p>
@@ -3244,7 +3246,7 @@
           <a:p>
             <a:fld id="{2C2D2980-142A-4F8D-8CF3-031F85C96FA0}" type="datetimeFigureOut">
               <a:rPr lang="ko-KR" altLang="en-US" smtClean="0"/>
-              <a:t>2016-01-11</a:t>
+              <a:t>2016-01-19</a:t>
             </a:fld>
             <a:endParaRPr lang="ko-KR" altLang="en-US"/>
           </a:p>
@@ -4616,13 +4618,13 @@
           <p:nvPr>
             <p:extLst>
               <p:ext uri="{D42A27DB-BD31-4B8C-83A1-F6EECF244321}">
-                <p14:modId xmlns:p14="http://schemas.microsoft.com/office/powerpoint/2010/main" val="1607685234"/>
+                <p14:modId xmlns:p14="http://schemas.microsoft.com/office/powerpoint/2010/main" val="2297078750"/>
               </p:ext>
             </p:extLst>
           </p:nvPr>
         </p:nvGraphicFramePr>
         <p:xfrm>
-          <a:off x="755576" y="3717032"/>
+          <a:off x="740002" y="3947285"/>
           <a:ext cx="7663996" cy="2926080"/>
         </p:xfrm>
         <a:graphic>
@@ -4723,8 +4725,8 @@
                     <a:p>
                       <a:pPr algn="ctr" latinLnBrk="1"/>
                       <a:r>
-                        <a:rPr lang="ko-KR" altLang="en-US" sz="1600" dirty="0" smtClean="0"/>
-                        <a:t>이동</a:t>
+                        <a:rPr lang="ko-KR" altLang="en-US" sz="1600" dirty="0" err="1" smtClean="0"/>
+                        <a:t>비공격</a:t>
                       </a:r>
                       <a:endParaRPr lang="ko-KR" altLang="en-US" sz="1600" dirty="0"/>
                     </a:p>
@@ -5169,7 +5171,7 @@
         </p:nvSpPr>
         <p:spPr>
           <a:xfrm>
-            <a:off x="971600" y="1988840"/>
+            <a:off x="1403648" y="1525587"/>
             <a:ext cx="1224136" cy="864096"/>
           </a:xfrm>
           <a:prstGeom prst="ellipse">
@@ -5199,7 +5201,11 @@
             <a:pPr algn="ctr"/>
             <a:r>
               <a:rPr lang="ko-KR" altLang="en-US" dirty="0" smtClean="0"/>
-              <a:t>이동</a:t>
+              <a:t>공</a:t>
+            </a:r>
+            <a:r>
+              <a:rPr lang="ko-KR" altLang="en-US" dirty="0"/>
+              <a:t>격</a:t>
             </a:r>
             <a:endParaRPr lang="ko-KR" altLang="en-US" dirty="0"/>
           </a:p>
@@ -5213,7 +5219,212 @@
         </p:nvSpPr>
         <p:spPr>
           <a:xfrm>
-            <a:off x="6668666" y="1988840"/>
+            <a:off x="6358466" y="1516755"/>
+            <a:ext cx="1359718" cy="864096"/>
+          </a:xfrm>
+          <a:prstGeom prst="ellipse">
+            <a:avLst/>
+          </a:prstGeom>
+        </p:spPr>
+        <p:style>
+          <a:lnRef idx="2">
+            <a:schemeClr val="accent1">
+              <a:shade val="50000"/>
+            </a:schemeClr>
+          </a:lnRef>
+          <a:fillRef idx="1">
+            <a:schemeClr val="accent1"/>
+          </a:fillRef>
+          <a:effectRef idx="0">
+            <a:schemeClr val="accent1"/>
+          </a:effectRef>
+          <a:fontRef idx="minor">
+            <a:schemeClr val="lt1"/>
+          </a:fontRef>
+        </p:style>
+        <p:txBody>
+          <a:bodyPr rtlCol="0" anchor="ctr"/>
+          <a:lstStyle/>
+          <a:p>
+            <a:pPr algn="ctr"/>
+            <a:r>
+              <a:rPr lang="ko-KR" altLang="en-US" dirty="0" err="1" smtClean="0"/>
+              <a:t>비공격</a:t>
+            </a:r>
+            <a:endParaRPr lang="en-US" altLang="ko-KR" dirty="0" smtClean="0"/>
+          </a:p>
+          <a:p>
+            <a:pPr algn="ctr"/>
+            <a:r>
+              <a:rPr lang="en-US" altLang="ko-KR" dirty="0" smtClean="0"/>
+              <a:t>(</a:t>
+            </a:r>
+            <a:r>
+              <a:rPr lang="ko-KR" altLang="en-US" dirty="0" smtClean="0"/>
+              <a:t>이동</a:t>
+            </a:r>
+            <a:r>
+              <a:rPr lang="en-US" altLang="ko-KR" dirty="0" smtClean="0"/>
+              <a:t>)</a:t>
+            </a:r>
+            <a:endParaRPr lang="ko-KR" altLang="en-US" dirty="0"/>
+          </a:p>
+        </p:txBody>
+      </p:sp>
+      <p:sp>
+        <p:nvSpPr>
+          <p:cNvPr id="14" name="TextBox 13"/>
+          <p:cNvSpPr txBox="1"/>
+          <p:nvPr/>
+        </p:nvSpPr>
+        <p:spPr>
+          <a:xfrm>
+            <a:off x="3477734" y="1613440"/>
+            <a:ext cx="1935145" cy="307777"/>
+          </a:xfrm>
+          <a:prstGeom prst="rect">
+            <a:avLst/>
+          </a:prstGeom>
+          <a:noFill/>
+        </p:spPr>
+        <p:txBody>
+          <a:bodyPr wrap="none" rtlCol="0">
+            <a:spAutoFit/>
+          </a:bodyPr>
+          <a:lstStyle/>
+          <a:p>
+            <a:r>
+              <a:rPr lang="ko-KR" altLang="en-US" sz="1400" dirty="0" smtClean="0"/>
+              <a:t>판정 범위 </a:t>
+            </a:r>
+            <a:r>
+              <a:rPr lang="ko-KR" altLang="en-US" sz="1400" dirty="0" err="1" smtClean="0"/>
+              <a:t>도달시</a:t>
+            </a:r>
+            <a:r>
+              <a:rPr lang="ko-KR" altLang="en-US" sz="1400" dirty="0" smtClean="0"/>
+              <a:t> 공격</a:t>
+            </a:r>
+            <a:endParaRPr lang="ko-KR" altLang="en-US" sz="1400" dirty="0"/>
+          </a:p>
+        </p:txBody>
+      </p:sp>
+      <p:sp>
+        <p:nvSpPr>
+          <p:cNvPr id="15" name="TextBox 14"/>
+          <p:cNvSpPr txBox="1"/>
+          <p:nvPr/>
+        </p:nvSpPr>
+        <p:spPr>
+          <a:xfrm>
+            <a:off x="3612386" y="2389683"/>
+            <a:ext cx="1800493" cy="523220"/>
+          </a:xfrm>
+          <a:prstGeom prst="rect">
+            <a:avLst/>
+          </a:prstGeom>
+          <a:noFill/>
+        </p:spPr>
+        <p:txBody>
+          <a:bodyPr wrap="none" rtlCol="0">
+            <a:spAutoFit/>
+          </a:bodyPr>
+          <a:lstStyle/>
+          <a:p>
+            <a:r>
+              <a:rPr lang="ko-KR" altLang="en-US" sz="1400" dirty="0" smtClean="0"/>
+              <a:t>판정 범위 밖일 경우 </a:t>
+            </a:r>
+            <a:endParaRPr lang="en-US" altLang="ko-KR" sz="1400" dirty="0" smtClean="0"/>
+          </a:p>
+          <a:p>
+            <a:r>
+              <a:rPr lang="ko-KR" altLang="en-US" sz="1400" dirty="0" err="1" smtClean="0"/>
+              <a:t>메인타워로</a:t>
+            </a:r>
+            <a:r>
+              <a:rPr lang="ko-KR" altLang="en-US" sz="1400" dirty="0" smtClean="0"/>
+              <a:t> 이동</a:t>
+            </a:r>
+            <a:endParaRPr lang="ko-KR" altLang="en-US" sz="1400" dirty="0"/>
+          </a:p>
+        </p:txBody>
+      </p:sp>
+      <p:cxnSp>
+        <p:nvCxnSpPr>
+          <p:cNvPr id="16" name="직선 화살표 연결선 15"/>
+          <p:cNvCxnSpPr/>
+          <p:nvPr/>
+        </p:nvCxnSpPr>
+        <p:spPr>
+          <a:xfrm>
+            <a:off x="3131840" y="1512874"/>
+            <a:ext cx="2880320" cy="0"/>
+          </a:xfrm>
+          <a:prstGeom prst="straightConnector1">
+            <a:avLst/>
+          </a:prstGeom>
+          <a:ln>
+            <a:tailEnd type="arrow"/>
+          </a:ln>
+        </p:spPr>
+        <p:style>
+          <a:lnRef idx="1">
+            <a:schemeClr val="accent1"/>
+          </a:lnRef>
+          <a:fillRef idx="0">
+            <a:schemeClr val="accent1"/>
+          </a:fillRef>
+          <a:effectRef idx="0">
+            <a:schemeClr val="accent1"/>
+          </a:effectRef>
+          <a:fontRef idx="minor">
+            <a:schemeClr val="tx1"/>
+          </a:fontRef>
+        </p:style>
+      </p:cxnSp>
+      <p:cxnSp>
+        <p:nvCxnSpPr>
+          <p:cNvPr id="17" name="직선 화살표 연결선 16"/>
+          <p:cNvCxnSpPr/>
+          <p:nvPr/>
+        </p:nvCxnSpPr>
+        <p:spPr>
+          <a:xfrm flipH="1">
+            <a:off x="3121943" y="2380851"/>
+            <a:ext cx="2880320" cy="0"/>
+          </a:xfrm>
+          <a:prstGeom prst="straightConnector1">
+            <a:avLst/>
+          </a:prstGeom>
+          <a:ln>
+            <a:tailEnd type="arrow"/>
+          </a:ln>
+        </p:spPr>
+        <p:style>
+          <a:lnRef idx="1">
+            <a:schemeClr val="accent1"/>
+          </a:lnRef>
+          <a:fillRef idx="0">
+            <a:schemeClr val="accent1"/>
+          </a:fillRef>
+          <a:effectRef idx="0">
+            <a:schemeClr val="accent1"/>
+          </a:effectRef>
+          <a:fontRef idx="minor">
+            <a:schemeClr val="tx1"/>
+          </a:fontRef>
+        </p:style>
+      </p:cxnSp>
+      <p:sp>
+        <p:nvSpPr>
+          <p:cNvPr id="18" name="타원 17"/>
+          <p:cNvSpPr/>
+          <p:nvPr/>
+        </p:nvSpPr>
+        <p:spPr>
+          <a:xfrm>
+            <a:off x="1403648" y="2852936"/>
             <a:ext cx="1224136" cy="864096"/>
           </a:xfrm>
           <a:prstGeom prst="ellipse">
@@ -5242,8 +5453,12 @@
           <a:p>
             <a:pPr algn="ctr"/>
             <a:r>
-              <a:rPr lang="ko-KR" altLang="en-US" dirty="0" smtClean="0"/>
-              <a:t>제거</a:t>
+              <a:rPr lang="ko-KR" altLang="en-US" smtClean="0"/>
+              <a:t>피</a:t>
+            </a:r>
+            <a:r>
+              <a:rPr lang="ko-KR" altLang="en-US"/>
+              <a:t>격</a:t>
             </a:r>
             <a:endParaRPr lang="ko-KR" altLang="en-US" dirty="0"/>
           </a:p>
@@ -5251,13 +5466,13 @@
       </p:sp>
       <p:sp>
         <p:nvSpPr>
-          <p:cNvPr id="10" name="타원 9"/>
+          <p:cNvPr id="19" name="타원 18"/>
           <p:cNvSpPr/>
           <p:nvPr/>
         </p:nvSpPr>
         <p:spPr>
           <a:xfrm>
-            <a:off x="3779912" y="2636912"/>
+            <a:off x="4800811" y="2852936"/>
             <a:ext cx="1224136" cy="864096"/>
           </a:xfrm>
           <a:prstGeom prst="ellipse">
@@ -5287,7 +5502,11 @@
             <a:pPr algn="ctr"/>
             <a:r>
               <a:rPr lang="ko-KR" altLang="en-US" dirty="0" smtClean="0"/>
-              <a:t>피격</a:t>
+              <a:t>제</a:t>
+            </a:r>
+            <a:r>
+              <a:rPr lang="ko-KR" altLang="en-US" dirty="0"/>
+              <a:t>거</a:t>
             </a:r>
             <a:endParaRPr lang="ko-KR" altLang="en-US" dirty="0"/>
           </a:p>
@@ -5295,124 +5514,14 @@
       </p:sp>
       <p:sp>
         <p:nvSpPr>
-          <p:cNvPr id="11" name="타원 10"/>
-          <p:cNvSpPr/>
+          <p:cNvPr id="20" name="TextBox 19"/>
+          <p:cNvSpPr txBox="1"/>
           <p:nvPr/>
         </p:nvSpPr>
         <p:spPr>
           <a:xfrm>
-            <a:off x="3779912" y="1340768"/>
-            <a:ext cx="1224136" cy="864096"/>
-          </a:xfrm>
-          <a:prstGeom prst="ellipse">
-            <a:avLst/>
-          </a:prstGeom>
-        </p:spPr>
-        <p:style>
-          <a:lnRef idx="2">
-            <a:schemeClr val="accent1">
-              <a:shade val="50000"/>
-            </a:schemeClr>
-          </a:lnRef>
-          <a:fillRef idx="1">
-            <a:schemeClr val="accent1"/>
-          </a:fillRef>
-          <a:effectRef idx="0">
-            <a:schemeClr val="accent1"/>
-          </a:effectRef>
-          <a:fontRef idx="minor">
-            <a:schemeClr val="lt1"/>
-          </a:fontRef>
-        </p:style>
-        <p:txBody>
-          <a:bodyPr rtlCol="0" anchor="ctr"/>
-          <a:lstStyle/>
-          <a:p>
-            <a:pPr algn="ctr"/>
-            <a:r>
-              <a:rPr lang="ko-KR" altLang="en-US" dirty="0" smtClean="0"/>
-              <a:t>공격</a:t>
-            </a:r>
-            <a:endParaRPr lang="ko-KR" altLang="en-US" dirty="0"/>
-          </a:p>
-        </p:txBody>
-      </p:sp>
-      <p:cxnSp>
-        <p:nvCxnSpPr>
-          <p:cNvPr id="6" name="직선 연결선 5"/>
-          <p:cNvCxnSpPr>
-            <a:stCxn id="3" idx="6"/>
-            <a:endCxn id="9" idx="2"/>
-          </p:cNvCxnSpPr>
-          <p:nvPr/>
-        </p:nvCxnSpPr>
-        <p:spPr>
-          <a:xfrm>
-            <a:off x="2195736" y="2420888"/>
-            <a:ext cx="4472930" cy="0"/>
-          </a:xfrm>
-          <a:prstGeom prst="line">
-            <a:avLst/>
-          </a:prstGeom>
-        </p:spPr>
-        <p:style>
-          <a:lnRef idx="1">
-            <a:schemeClr val="accent1"/>
-          </a:lnRef>
-          <a:fillRef idx="0">
-            <a:schemeClr val="accent1"/>
-          </a:fillRef>
-          <a:effectRef idx="0">
-            <a:schemeClr val="accent1"/>
-          </a:effectRef>
-          <a:fontRef idx="minor">
-            <a:schemeClr val="tx1"/>
-          </a:fontRef>
-        </p:style>
-      </p:cxnSp>
-      <p:cxnSp>
-        <p:nvCxnSpPr>
-          <p:cNvPr id="13" name="직선 연결선 12"/>
-          <p:cNvCxnSpPr>
-            <a:stCxn id="11" idx="4"/>
-            <a:endCxn id="10" idx="0"/>
-          </p:cNvCxnSpPr>
-          <p:nvPr/>
-        </p:nvCxnSpPr>
-        <p:spPr>
-          <a:xfrm>
-            <a:off x="4391980" y="2204864"/>
-            <a:ext cx="0" cy="432048"/>
-          </a:xfrm>
-          <a:prstGeom prst="line">
-            <a:avLst/>
-          </a:prstGeom>
-        </p:spPr>
-        <p:style>
-          <a:lnRef idx="1">
-            <a:schemeClr val="accent1"/>
-          </a:lnRef>
-          <a:fillRef idx="0">
-            <a:schemeClr val="accent1"/>
-          </a:fillRef>
-          <a:effectRef idx="0">
-            <a:schemeClr val="accent1"/>
-          </a:effectRef>
-          <a:fontRef idx="minor">
-            <a:schemeClr val="tx1"/>
-          </a:fontRef>
-        </p:style>
-      </p:cxnSp>
-      <p:sp>
-        <p:nvSpPr>
-          <p:cNvPr id="14" name="TextBox 13"/>
-          <p:cNvSpPr txBox="1"/>
-          <p:nvPr/>
-        </p:nvSpPr>
-        <p:spPr>
-          <a:xfrm>
-            <a:off x="5076056" y="1582819"/>
-            <a:ext cx="1935145" cy="307777"/>
+            <a:off x="2712139" y="3131095"/>
+            <a:ext cx="2069797" cy="307777"/>
           </a:xfrm>
           <a:prstGeom prst="rect">
             <a:avLst/>
@@ -5426,16 +5535,16 @@
           <a:lstStyle/>
           <a:p>
             <a:r>
+              <a:rPr lang="ko-KR" altLang="en-US" sz="1400" smtClean="0"/>
+              <a:t>타워에게 </a:t>
+            </a:r>
+            <a:r>
+              <a:rPr lang="ko-KR" altLang="en-US" sz="1400" dirty="0" err="1" smtClean="0"/>
+              <a:t>피격당할</a:t>
+            </a:r>
+            <a:r>
               <a:rPr lang="ko-KR" altLang="en-US" sz="1400" dirty="0" smtClean="0"/>
-              <a:t>판정 범위 </a:t>
-            </a:r>
-            <a:r>
-              <a:rPr lang="ko-KR" altLang="en-US" sz="1400" dirty="0" err="1" smtClean="0"/>
-              <a:t>도달시</a:t>
-            </a:r>
-            <a:r>
-              <a:rPr lang="ko-KR" altLang="en-US" sz="1400" dirty="0" smtClean="0"/>
-              <a:t> 공격</a:t>
+              <a:t> 경우</a:t>
             </a:r>
             <a:endParaRPr lang="ko-KR" altLang="en-US" sz="1400" dirty="0"/>
           </a:p>
@@ -5443,14 +5552,14 @@
       </p:sp>
       <p:sp>
         <p:nvSpPr>
-          <p:cNvPr id="15" name="TextBox 14"/>
+          <p:cNvPr id="21" name="TextBox 20"/>
           <p:cNvSpPr txBox="1"/>
           <p:nvPr/>
         </p:nvSpPr>
         <p:spPr>
           <a:xfrm>
-            <a:off x="5148064" y="2915071"/>
-            <a:ext cx="1890261" cy="307777"/>
+            <a:off x="6084168" y="3131095"/>
+            <a:ext cx="1871025" cy="307777"/>
           </a:xfrm>
           <a:prstGeom prst="rect">
             <a:avLst/>
@@ -5464,8 +5573,24 @@
           <a:lstStyle/>
           <a:p>
             <a:r>
+              <a:rPr lang="en-US" altLang="ko-KR" sz="1400" dirty="0" err="1" smtClean="0"/>
+              <a:t>Hp</a:t>
+            </a:r>
+            <a:r>
               <a:rPr lang="ko-KR" altLang="en-US" sz="1400" dirty="0" smtClean="0"/>
-              <a:t>플레이어 공격에 피격</a:t>
+              <a:t>가 </a:t>
+            </a:r>
+            <a:r>
+              <a:rPr lang="en-US" altLang="ko-KR" sz="1400" dirty="0" smtClean="0"/>
+              <a:t>0</a:t>
+            </a:r>
+            <a:r>
+              <a:rPr lang="ko-KR" altLang="en-US" sz="1400" dirty="0" err="1" smtClean="0"/>
+              <a:t>이되면</a:t>
+            </a:r>
+            <a:r>
+              <a:rPr lang="ko-KR" altLang="en-US" sz="1400" dirty="0" smtClean="0"/>
+              <a:t> 사라짐</a:t>
             </a:r>
             <a:endParaRPr lang="ko-KR" altLang="en-US" sz="1400" dirty="0"/>
           </a:p>
@@ -8529,14 +8654,14 @@
           <p:nvPr>
             <p:extLst>
               <p:ext uri="{D42A27DB-BD31-4B8C-83A1-F6EECF244321}">
-                <p14:modId xmlns:p14="http://schemas.microsoft.com/office/powerpoint/2010/main" val="4260410327"/>
+                <p14:modId xmlns:p14="http://schemas.microsoft.com/office/powerpoint/2010/main" val="2251407903"/>
               </p:ext>
             </p:extLst>
           </p:nvPr>
         </p:nvGraphicFramePr>
         <p:xfrm>
           <a:off x="539552" y="4477464"/>
-          <a:ext cx="8064896" cy="2346960"/>
+          <a:ext cx="8064896" cy="4602480"/>
         </p:xfrm>
         <a:graphic>
           <a:graphicData uri="http://schemas.openxmlformats.org/drawingml/2006/table">
@@ -8666,6 +8791,10 @@
                     <a:lstStyle/>
                     <a:p>
                       <a:pPr algn="ctr"/>
+                      <a:r>
+                        <a:rPr lang="ko-KR" altLang="en-US" sz="1400" dirty="0" smtClean="0"/>
+                        <a:t>배경화면</a:t>
+                      </a:r>
                       <a:endParaRPr lang="ko-KR" altLang="en-US" sz="1400" dirty="0"/>
                     </a:p>
                   </a:txBody>
@@ -8746,6 +8875,10 @@
                     <a:lstStyle/>
                     <a:p>
                       <a:pPr algn="ctr"/>
+                      <a:r>
+                        <a:rPr lang="ko-KR" altLang="en-US" sz="1400" dirty="0" smtClean="0"/>
+                        <a:t>성문체력</a:t>
+                      </a:r>
                       <a:endParaRPr lang="ko-KR" altLang="en-US" sz="1400" dirty="0"/>
                     </a:p>
                   </a:txBody>
@@ -8850,6 +8983,10 @@
                     <a:lstStyle/>
                     <a:p>
                       <a:pPr algn="ctr" latinLnBrk="1"/>
+                      <a:r>
+                        <a:rPr lang="ko-KR" altLang="en-US" sz="1400" dirty="0" smtClean="0"/>
+                        <a:t>공격력</a:t>
+                      </a:r>
                       <a:endParaRPr lang="ko-KR" altLang="en-US" sz="1400" dirty="0"/>
                     </a:p>
                   </a:txBody>
@@ -8950,6 +9087,10 @@
                     <a:lstStyle/>
                     <a:p>
                       <a:pPr algn="ctr" latinLnBrk="1"/>
+                      <a:r>
+                        <a:rPr lang="ko-KR" altLang="en-US" sz="1400" dirty="0" smtClean="0"/>
+                        <a:t>연사속도</a:t>
+                      </a:r>
                       <a:endParaRPr lang="ko-KR" altLang="en-US" sz="1400" dirty="0"/>
                     </a:p>
                   </a:txBody>
@@ -9042,6 +9183,10 @@
                     <a:lstStyle/>
                     <a:p>
                       <a:pPr algn="ctr" latinLnBrk="1"/>
+                      <a:r>
+                        <a:rPr lang="ko-KR" altLang="en-US" sz="1400" dirty="0" err="1" smtClean="0"/>
+                        <a:t>풀차지샷</a:t>
+                      </a:r>
                       <a:endParaRPr lang="ko-KR" altLang="en-US" sz="1400" dirty="0"/>
                     </a:p>
                   </a:txBody>
@@ -9157,6 +9302,161 @@
                     <a:lstStyle/>
                     <a:p>
                       <a:pPr algn="ctr" latinLnBrk="1"/>
+                      <a:r>
+                        <a:rPr lang="ko-KR" altLang="en-US" sz="1400" dirty="0" smtClean="0"/>
+                        <a:t>미니타워</a:t>
+                      </a:r>
+                      <a:endParaRPr lang="en-US" altLang="ko-KR" sz="1400" dirty="0" smtClean="0"/>
+                    </a:p>
+                    <a:p>
+                      <a:pPr algn="ctr" latinLnBrk="1"/>
+                      <a:r>
+                        <a:rPr lang="ko-KR" altLang="en-US" sz="1400" dirty="0" smtClean="0"/>
+                        <a:t>전용상점</a:t>
+                      </a:r>
+                      <a:endParaRPr lang="ko-KR" altLang="en-US" sz="1400" dirty="0"/>
+                    </a:p>
+                  </a:txBody>
+                  <a:tcPr/>
+                </a:tc>
+                <a:tc>
+                  <a:txBody>
+                    <a:bodyPr/>
+                    <a:lstStyle/>
+                    <a:p>
+                      <a:pPr algn="ctr"/>
+                      <a:r>
+                        <a:rPr lang="ko-KR" altLang="en-US" sz="1400" dirty="0" smtClean="0"/>
+                        <a:t>미니타워 전용상점</a:t>
+                      </a:r>
+                      <a:endParaRPr lang="ko-KR" altLang="en-US" sz="1400" dirty="0"/>
+                    </a:p>
+                  </a:txBody>
+                  <a:tcPr/>
+                </a:tc>
+                <a:tc>
+                  <a:txBody>
+                    <a:bodyPr/>
+                    <a:lstStyle/>
+                    <a:p>
+                      <a:pPr marL="0" marR="0" lvl="0" indent="0" algn="ctr" defTabSz="914400" rtl="0" eaLnBrk="1" fontAlgn="auto" latinLnBrk="1" hangingPunct="1">
+                        <a:lnSpc>
+                          <a:spcPct val="100000"/>
+                        </a:lnSpc>
+                        <a:spcBef>
+                          <a:spcPts val="0"/>
+                        </a:spcBef>
+                        <a:spcAft>
+                          <a:spcPts val="0"/>
+                        </a:spcAft>
+                        <a:buClrTx/>
+                        <a:buSzTx/>
+                        <a:buFontTx/>
+                        <a:buNone/>
+                        <a:tabLst/>
+                        <a:defRPr/>
+                      </a:pPr>
+                      <a:r>
+                        <a:rPr kumimoji="0" lang="en-US" altLang="ko-KR" sz="1400" b="0" i="0" u="none" strike="noStrike" kern="1200" cap="none" spc="0" normalizeH="0" baseline="0" noProof="0" dirty="0" err="1" smtClean="0">
+                          <a:ln>
+                            <a:noFill/>
+                          </a:ln>
+                          <a:solidFill>
+                            <a:prstClr val="black"/>
+                          </a:solidFill>
+                          <a:effectLst/>
+                          <a:uLnTx/>
+                          <a:uFillTx/>
+                          <a:latin typeface="+mn-lt"/>
+                          <a:ea typeface="+mn-ea"/>
+                          <a:cs typeface="+mn-cs"/>
+                        </a:rPr>
+                        <a:t>Img</a:t>
+                      </a:r>
+                      <a:r>
+                        <a:rPr kumimoji="0" lang="en-US" altLang="ko-KR" sz="1400" b="0" i="0" u="none" strike="noStrike" kern="1200" cap="none" spc="0" normalizeH="0" baseline="0" noProof="0" dirty="0" smtClean="0">
+                          <a:ln>
+                            <a:noFill/>
+                          </a:ln>
+                          <a:solidFill>
+                            <a:prstClr val="black"/>
+                          </a:solidFill>
+                          <a:effectLst/>
+                          <a:uLnTx/>
+                          <a:uFillTx/>
+                          <a:latin typeface="+mn-lt"/>
+                          <a:ea typeface="+mn-ea"/>
+                          <a:cs typeface="+mn-cs"/>
+                        </a:rPr>
+                        <a:t>, String</a:t>
+                      </a:r>
+                      <a:endParaRPr kumimoji="0" lang="ko-KR" altLang="en-US" sz="1400" b="0" i="0" u="none" strike="noStrike" kern="1200" cap="none" spc="0" normalizeH="0" baseline="0" noProof="0" dirty="0" smtClean="0">
+                        <a:ln>
+                          <a:noFill/>
+                        </a:ln>
+                        <a:solidFill>
+                          <a:prstClr val="black"/>
+                        </a:solidFill>
+                        <a:effectLst/>
+                        <a:uLnTx/>
+                        <a:uFillTx/>
+                        <a:latin typeface="+mn-lt"/>
+                        <a:ea typeface="+mn-ea"/>
+                        <a:cs typeface="+mn-cs"/>
+                      </a:endParaRPr>
+                    </a:p>
+                  </a:txBody>
+                  <a:tcPr/>
+                </a:tc>
+                <a:tc>
+                  <a:txBody>
+                    <a:bodyPr/>
+                    <a:lstStyle/>
+                    <a:p>
+                      <a:pPr algn="ctr" latinLnBrk="1"/>
+                      <a:endParaRPr lang="ko-KR" altLang="en-US" sz="1400" dirty="0"/>
+                    </a:p>
+                  </a:txBody>
+                  <a:tcPr/>
+                </a:tc>
+                <a:tc>
+                  <a:txBody>
+                    <a:bodyPr/>
+                    <a:lstStyle/>
+                    <a:p>
+                      <a:pPr algn="ctr" latinLnBrk="1"/>
+                      <a:endParaRPr lang="ko-KR" altLang="en-US" sz="1400" dirty="0"/>
+                    </a:p>
+                  </a:txBody>
+                  <a:tcPr/>
+                </a:tc>
+              </a:tr>
+              <a:tr h="129128">
+                <a:tc>
+                  <a:txBody>
+                    <a:bodyPr/>
+                    <a:lstStyle/>
+                    <a:p>
+                      <a:pPr algn="ctr" latinLnBrk="1"/>
+                      <a:r>
+                        <a:rPr lang="en-US" altLang="ko-KR" sz="1400" dirty="0" smtClean="0"/>
+                        <a:t>7</a:t>
+                      </a:r>
+                      <a:endParaRPr lang="ko-KR" altLang="en-US" sz="1400" dirty="0"/>
+                    </a:p>
+                  </a:txBody>
+                  <a:tcPr/>
+                </a:tc>
+                <a:tc>
+                  <a:txBody>
+                    <a:bodyPr/>
+                    <a:lstStyle/>
+                    <a:p>
+                      <a:pPr algn="ctr" latinLnBrk="1"/>
+                      <a:r>
+                        <a:rPr lang="ko-KR" altLang="en-US" sz="1400" dirty="0" err="1" smtClean="0"/>
+                        <a:t>정보창</a:t>
+                      </a:r>
                       <a:endParaRPr lang="ko-KR" altLang="en-US" sz="1400" dirty="0"/>
                     </a:p>
                   </a:txBody>
@@ -9204,6 +9504,485 @@
                         <a:t>String</a:t>
                       </a:r>
                       <a:endParaRPr lang="ko-KR" altLang="en-US" sz="1400" dirty="0"/>
+                    </a:p>
+                  </a:txBody>
+                  <a:tcPr/>
+                </a:tc>
+                <a:tc>
+                  <a:txBody>
+                    <a:bodyPr/>
+                    <a:lstStyle/>
+                    <a:p>
+                      <a:pPr algn="ctr" latinLnBrk="1"/>
+                      <a:endParaRPr lang="ko-KR" altLang="en-US" sz="1400" dirty="0"/>
+                    </a:p>
+                  </a:txBody>
+                  <a:tcPr/>
+                </a:tc>
+                <a:tc>
+                  <a:txBody>
+                    <a:bodyPr/>
+                    <a:lstStyle/>
+                    <a:p>
+                      <a:pPr algn="ctr" latinLnBrk="1"/>
+                      <a:endParaRPr lang="ko-KR" altLang="en-US" sz="1400" dirty="0"/>
+                    </a:p>
+                  </a:txBody>
+                  <a:tcPr/>
+                </a:tc>
+              </a:tr>
+              <a:tr h="129128">
+                <a:tc>
+                  <a:txBody>
+                    <a:bodyPr/>
+                    <a:lstStyle/>
+                    <a:p>
+                      <a:pPr algn="ctr" latinLnBrk="1"/>
+                      <a:r>
+                        <a:rPr lang="en-US" altLang="ko-KR" sz="1400" dirty="0" smtClean="0"/>
+                        <a:t>8</a:t>
+                      </a:r>
+                      <a:endParaRPr lang="ko-KR" altLang="en-US" sz="1400" dirty="0"/>
+                    </a:p>
+                  </a:txBody>
+                  <a:tcPr/>
+                </a:tc>
+                <a:tc>
+                  <a:txBody>
+                    <a:bodyPr/>
+                    <a:lstStyle/>
+                    <a:p>
+                      <a:pPr algn="ctr" latinLnBrk="1"/>
+                      <a:r>
+                        <a:rPr lang="ko-KR" altLang="en-US" sz="1400" dirty="0" smtClean="0"/>
+                        <a:t>계속하기</a:t>
+                      </a:r>
+                      <a:endParaRPr lang="ko-KR" altLang="en-US" sz="1400" dirty="0"/>
+                    </a:p>
+                  </a:txBody>
+                  <a:tcPr/>
+                </a:tc>
+                <a:tc>
+                  <a:txBody>
+                    <a:bodyPr/>
+                    <a:lstStyle/>
+                    <a:p>
+                      <a:pPr algn="ctr" latinLnBrk="1"/>
+                      <a:r>
+                        <a:rPr lang="ko-KR" altLang="en-US" sz="1400" dirty="0" smtClean="0"/>
+                        <a:t>다음 스테이지 진행</a:t>
+                      </a:r>
+                      <a:endParaRPr lang="ko-KR" altLang="en-US" sz="1400" dirty="0"/>
+                    </a:p>
+                  </a:txBody>
+                  <a:tcPr/>
+                </a:tc>
+                <a:tc>
+                  <a:txBody>
+                    <a:bodyPr/>
+                    <a:lstStyle/>
+                    <a:p>
+                      <a:pPr algn="ctr" latinLnBrk="1"/>
+                      <a:r>
+                        <a:rPr lang="en-US" altLang="ko-KR" sz="1400" smtClean="0"/>
+                        <a:t>Img,</a:t>
+                      </a:r>
+                      <a:r>
+                        <a:rPr lang="en-US" altLang="ko-KR" sz="1400" baseline="0" smtClean="0"/>
+                        <a:t> </a:t>
+                      </a:r>
+                      <a:r>
+                        <a:rPr lang="en-US" altLang="ko-KR" sz="1400" smtClean="0"/>
+                        <a:t>String</a:t>
+                      </a:r>
+                      <a:endParaRPr lang="ko-KR" altLang="en-US" sz="1400" dirty="0"/>
+                    </a:p>
+                  </a:txBody>
+                  <a:tcPr/>
+                </a:tc>
+                <a:tc>
+                  <a:txBody>
+                    <a:bodyPr/>
+                    <a:lstStyle/>
+                    <a:p>
+                      <a:pPr algn="ctr" latinLnBrk="1"/>
+                      <a:endParaRPr lang="ko-KR" altLang="en-US" sz="1400" dirty="0"/>
+                    </a:p>
+                  </a:txBody>
+                  <a:tcPr/>
+                </a:tc>
+                <a:tc>
+                  <a:txBody>
+                    <a:bodyPr/>
+                    <a:lstStyle/>
+                    <a:p>
+                      <a:pPr algn="ctr" latinLnBrk="1"/>
+                      <a:endParaRPr lang="ko-KR" altLang="en-US" sz="1400" dirty="0"/>
+                    </a:p>
+                  </a:txBody>
+                  <a:tcPr/>
+                </a:tc>
+              </a:tr>
+              <a:tr h="129128">
+                <a:tc>
+                  <a:txBody>
+                    <a:bodyPr/>
+                    <a:lstStyle/>
+                    <a:p>
+                      <a:pPr algn="ctr" latinLnBrk="1"/>
+                      <a:r>
+                        <a:rPr lang="en-US" altLang="ko-KR" sz="1400" dirty="0" smtClean="0"/>
+                        <a:t>9</a:t>
+                      </a:r>
+                      <a:endParaRPr lang="ko-KR" altLang="en-US" sz="1400" dirty="0"/>
+                    </a:p>
+                  </a:txBody>
+                  <a:tcPr/>
+                </a:tc>
+                <a:tc>
+                  <a:txBody>
+                    <a:bodyPr/>
+                    <a:lstStyle/>
+                    <a:p>
+                      <a:pPr algn="ctr" latinLnBrk="1"/>
+                      <a:r>
+                        <a:rPr lang="ko-KR" altLang="en-US" sz="1400" dirty="0" err="1" smtClean="0"/>
+                        <a:t>메인화면</a:t>
+                      </a:r>
+                      <a:endParaRPr lang="ko-KR" altLang="en-US" sz="1400" dirty="0"/>
+                    </a:p>
+                  </a:txBody>
+                  <a:tcPr/>
+                </a:tc>
+                <a:tc>
+                  <a:txBody>
+                    <a:bodyPr/>
+                    <a:lstStyle/>
+                    <a:p>
+                      <a:pPr algn="ctr" latinLnBrk="1"/>
+                      <a:r>
+                        <a:rPr lang="ko-KR" altLang="en-US" sz="1400" dirty="0" err="1" smtClean="0"/>
+                        <a:t>메인화면으로</a:t>
+                      </a:r>
+                      <a:r>
+                        <a:rPr lang="ko-KR" altLang="en-US" sz="1400" dirty="0" smtClean="0"/>
+                        <a:t> 이동</a:t>
+                      </a:r>
+                      <a:endParaRPr lang="ko-KR" altLang="en-US" sz="1400" dirty="0"/>
+                    </a:p>
+                  </a:txBody>
+                  <a:tcPr/>
+                </a:tc>
+                <a:tc>
+                  <a:txBody>
+                    <a:bodyPr/>
+                    <a:lstStyle/>
+                    <a:p>
+                      <a:pPr algn="ctr" latinLnBrk="1"/>
+                      <a:r>
+                        <a:rPr lang="en-US" altLang="ko-KR" sz="1400" smtClean="0"/>
+                        <a:t>Img,</a:t>
+                      </a:r>
+                      <a:r>
+                        <a:rPr lang="en-US" altLang="ko-KR" sz="1400" baseline="0" smtClean="0"/>
+                        <a:t> </a:t>
+                      </a:r>
+                      <a:r>
+                        <a:rPr lang="en-US" altLang="ko-KR" sz="1400" smtClean="0"/>
+                        <a:t>String</a:t>
+                      </a:r>
+                      <a:endParaRPr lang="ko-KR" altLang="en-US" sz="1400" dirty="0"/>
+                    </a:p>
+                  </a:txBody>
+                  <a:tcPr/>
+                </a:tc>
+                <a:tc>
+                  <a:txBody>
+                    <a:bodyPr/>
+                    <a:lstStyle/>
+                    <a:p>
+                      <a:pPr algn="ctr" latinLnBrk="1"/>
+                      <a:endParaRPr lang="ko-KR" altLang="en-US" sz="1400" dirty="0"/>
+                    </a:p>
+                  </a:txBody>
+                  <a:tcPr/>
+                </a:tc>
+                <a:tc>
+                  <a:txBody>
+                    <a:bodyPr/>
+                    <a:lstStyle/>
+                    <a:p>
+                      <a:pPr algn="ctr" latinLnBrk="1"/>
+                      <a:endParaRPr lang="ko-KR" altLang="en-US" sz="1400" dirty="0"/>
+                    </a:p>
+                  </a:txBody>
+                  <a:tcPr/>
+                </a:tc>
+              </a:tr>
+              <a:tr h="129128">
+                <a:tc>
+                  <a:txBody>
+                    <a:bodyPr/>
+                    <a:lstStyle/>
+                    <a:p>
+                      <a:pPr algn="ctr" latinLnBrk="1"/>
+                      <a:r>
+                        <a:rPr lang="en-US" altLang="ko-KR" sz="1400" dirty="0" smtClean="0"/>
+                        <a:t>10</a:t>
+                      </a:r>
+                      <a:endParaRPr lang="ko-KR" altLang="en-US" sz="1400" dirty="0"/>
+                    </a:p>
+                  </a:txBody>
+                  <a:tcPr/>
+                </a:tc>
+                <a:tc>
+                  <a:txBody>
+                    <a:bodyPr/>
+                    <a:lstStyle/>
+                    <a:p>
+                      <a:pPr algn="ctr" latinLnBrk="1"/>
+                      <a:r>
+                        <a:rPr lang="ko-KR" altLang="en-US" sz="1400" dirty="0" smtClean="0"/>
+                        <a:t>속성변경</a:t>
+                      </a:r>
+                      <a:endParaRPr lang="ko-KR" altLang="en-US" sz="1400" dirty="0"/>
+                    </a:p>
+                  </a:txBody>
+                  <a:tcPr/>
+                </a:tc>
+                <a:tc>
+                  <a:txBody>
+                    <a:bodyPr/>
+                    <a:lstStyle/>
+                    <a:p>
+                      <a:pPr algn="ctr" latinLnBrk="1"/>
+                      <a:r>
+                        <a:rPr lang="ko-KR" altLang="en-US" sz="1400" dirty="0" smtClean="0"/>
+                        <a:t>미니타워 속성변경</a:t>
+                      </a:r>
+                      <a:endParaRPr lang="ko-KR" altLang="en-US" sz="1400" dirty="0"/>
+                    </a:p>
+                  </a:txBody>
+                  <a:tcPr/>
+                </a:tc>
+                <a:tc>
+                  <a:txBody>
+                    <a:bodyPr/>
+                    <a:lstStyle/>
+                    <a:p>
+                      <a:pPr algn="ctr" latinLnBrk="1"/>
+                      <a:r>
+                        <a:rPr lang="en-US" altLang="ko-KR" sz="1400" smtClean="0"/>
+                        <a:t>Img,</a:t>
+                      </a:r>
+                      <a:r>
+                        <a:rPr lang="en-US" altLang="ko-KR" sz="1400" baseline="0" smtClean="0"/>
+                        <a:t> </a:t>
+                      </a:r>
+                      <a:r>
+                        <a:rPr lang="en-US" altLang="ko-KR" sz="1400" smtClean="0"/>
+                        <a:t>String</a:t>
+                      </a:r>
+                      <a:endParaRPr lang="ko-KR" altLang="en-US" sz="1400" dirty="0"/>
+                    </a:p>
+                  </a:txBody>
+                  <a:tcPr/>
+                </a:tc>
+                <a:tc>
+                  <a:txBody>
+                    <a:bodyPr/>
+                    <a:lstStyle/>
+                    <a:p>
+                      <a:pPr algn="ctr" latinLnBrk="1"/>
+                      <a:endParaRPr lang="ko-KR" altLang="en-US" sz="1400" dirty="0"/>
+                    </a:p>
+                  </a:txBody>
+                  <a:tcPr/>
+                </a:tc>
+                <a:tc>
+                  <a:txBody>
+                    <a:bodyPr/>
+                    <a:lstStyle/>
+                    <a:p>
+                      <a:pPr algn="ctr" latinLnBrk="1"/>
+                      <a:endParaRPr lang="ko-KR" altLang="en-US" sz="1400" dirty="0"/>
+                    </a:p>
+                  </a:txBody>
+                  <a:tcPr/>
+                </a:tc>
+              </a:tr>
+              <a:tr h="129128">
+                <a:tc>
+                  <a:txBody>
+                    <a:bodyPr/>
+                    <a:lstStyle/>
+                    <a:p>
+                      <a:pPr algn="ctr" latinLnBrk="1"/>
+                      <a:r>
+                        <a:rPr lang="en-US" altLang="ko-KR" sz="1400" dirty="0" smtClean="0"/>
+                        <a:t>11</a:t>
+                      </a:r>
+                      <a:endParaRPr lang="ko-KR" altLang="en-US" sz="1400" dirty="0"/>
+                    </a:p>
+                  </a:txBody>
+                  <a:tcPr/>
+                </a:tc>
+                <a:tc>
+                  <a:txBody>
+                    <a:bodyPr/>
+                    <a:lstStyle/>
+                    <a:p>
+                      <a:pPr algn="ctr" latinLnBrk="1"/>
+                      <a:r>
+                        <a:rPr lang="ko-KR" altLang="en-US" sz="1400" dirty="0" smtClean="0"/>
+                        <a:t>미니타워</a:t>
+                      </a:r>
+                      <a:endParaRPr lang="en-US" altLang="ko-KR" sz="1400" dirty="0" smtClean="0"/>
+                    </a:p>
+                    <a:p>
+                      <a:pPr algn="ctr" latinLnBrk="1"/>
+                      <a:r>
+                        <a:rPr lang="ko-KR" altLang="en-US" sz="1400" dirty="0" smtClean="0"/>
+                        <a:t>업그레이드</a:t>
+                      </a:r>
+                      <a:endParaRPr lang="ko-KR" altLang="en-US" sz="1400" dirty="0"/>
+                    </a:p>
+                  </a:txBody>
+                  <a:tcPr/>
+                </a:tc>
+                <a:tc>
+                  <a:txBody>
+                    <a:bodyPr/>
+                    <a:lstStyle/>
+                    <a:p>
+                      <a:pPr algn="ctr" latinLnBrk="1"/>
+                      <a:r>
+                        <a:rPr lang="ko-KR" altLang="en-US" sz="1400" dirty="0" smtClean="0"/>
+                        <a:t>미니타워의 공격속도와</a:t>
+                      </a:r>
+                      <a:endParaRPr lang="en-US" altLang="ko-KR" sz="1400" dirty="0" smtClean="0"/>
+                    </a:p>
+                    <a:p>
+                      <a:pPr algn="ctr" latinLnBrk="1"/>
+                      <a:r>
+                        <a:rPr lang="ko-KR" altLang="en-US" sz="1400" dirty="0" smtClean="0"/>
+                        <a:t>사거리 업그레이드</a:t>
+                      </a:r>
+                      <a:endParaRPr lang="ko-KR" altLang="en-US" sz="1400" dirty="0"/>
+                    </a:p>
+                  </a:txBody>
+                  <a:tcPr/>
+                </a:tc>
+                <a:tc>
+                  <a:txBody>
+                    <a:bodyPr/>
+                    <a:lstStyle/>
+                    <a:p>
+                      <a:pPr algn="ctr" latinLnBrk="1"/>
+                      <a:r>
+                        <a:rPr lang="en-US" altLang="ko-KR" sz="1400" dirty="0" err="1" smtClean="0"/>
+                        <a:t>Img</a:t>
+                      </a:r>
+                      <a:r>
+                        <a:rPr lang="en-US" altLang="ko-KR" sz="1400" dirty="0" smtClean="0"/>
+                        <a:t>,</a:t>
+                      </a:r>
+                      <a:r>
+                        <a:rPr lang="en-US" altLang="ko-KR" sz="1400" baseline="0" dirty="0" smtClean="0"/>
+                        <a:t> </a:t>
+                      </a:r>
+                      <a:r>
+                        <a:rPr lang="en-US" altLang="ko-KR" sz="1400" dirty="0" smtClean="0"/>
+                        <a:t>String</a:t>
+                      </a:r>
+                      <a:endParaRPr lang="ko-KR" altLang="en-US" sz="1400" dirty="0"/>
+                    </a:p>
+                  </a:txBody>
+                  <a:tcPr/>
+                </a:tc>
+                <a:tc>
+                  <a:txBody>
+                    <a:bodyPr/>
+                    <a:lstStyle/>
+                    <a:p>
+                      <a:pPr algn="ctr" latinLnBrk="1"/>
+                      <a:endParaRPr lang="ko-KR" altLang="en-US" sz="1400" dirty="0"/>
+                    </a:p>
+                  </a:txBody>
+                  <a:tcPr/>
+                </a:tc>
+                <a:tc>
+                  <a:txBody>
+                    <a:bodyPr/>
+                    <a:lstStyle/>
+                    <a:p>
+                      <a:pPr algn="ctr" latinLnBrk="1"/>
+                      <a:endParaRPr lang="ko-KR" altLang="en-US" sz="1400" dirty="0"/>
+                    </a:p>
+                  </a:txBody>
+                  <a:tcPr/>
+                </a:tc>
+              </a:tr>
+              <a:tr h="129128">
+                <a:tc>
+                  <a:txBody>
+                    <a:bodyPr/>
+                    <a:lstStyle/>
+                    <a:p>
+                      <a:pPr algn="ctr" latinLnBrk="1"/>
+                      <a:r>
+                        <a:rPr lang="en-US" altLang="ko-KR" sz="1400" dirty="0" smtClean="0"/>
+                        <a:t>12</a:t>
+                      </a:r>
+                      <a:endParaRPr lang="ko-KR" altLang="en-US" sz="1400" dirty="0"/>
+                    </a:p>
+                  </a:txBody>
+                  <a:tcPr/>
+                </a:tc>
+                <a:tc>
+                  <a:txBody>
+                    <a:bodyPr/>
+                    <a:lstStyle/>
+                    <a:p>
+                      <a:pPr algn="ctr" latinLnBrk="1"/>
+                      <a:r>
+                        <a:rPr lang="ko-KR" altLang="en-US" sz="1400" dirty="0" smtClean="0"/>
+                        <a:t>돌아가기</a:t>
+                      </a:r>
+                      <a:endParaRPr lang="ko-KR" altLang="en-US" sz="1400" dirty="0"/>
+                    </a:p>
+                  </a:txBody>
+                  <a:tcPr/>
+                </a:tc>
+                <a:tc>
+                  <a:txBody>
+                    <a:bodyPr/>
+                    <a:lstStyle/>
+                    <a:p>
+                      <a:pPr algn="ctr" latinLnBrk="1"/>
+                      <a:r>
+                        <a:rPr lang="ko-KR" altLang="en-US" sz="1400" dirty="0" smtClean="0"/>
+                        <a:t>기본상점화면으로 이동</a:t>
+                      </a:r>
+                      <a:endParaRPr lang="ko-KR" altLang="en-US" sz="1400" dirty="0"/>
+                    </a:p>
+                  </a:txBody>
+                  <a:tcPr/>
+                </a:tc>
+                <a:tc>
+                  <a:txBody>
+                    <a:bodyPr/>
+                    <a:lstStyle/>
+                    <a:p>
+                      <a:pPr algn="ctr" latinLnBrk="1"/>
+                      <a:r>
+                        <a:rPr lang="en-US" altLang="ko-KR" sz="1400" dirty="0" err="1" smtClean="0"/>
+                        <a:t>Img</a:t>
+                      </a:r>
+                      <a:r>
+                        <a:rPr lang="en-US" altLang="ko-KR" sz="1400" dirty="0" smtClean="0"/>
+                        <a:t>, String</a:t>
+                      </a:r>
                     </a:p>
                   </a:txBody>
                   <a:tcPr/>
@@ -9283,8 +10062,8 @@
         </p:nvSpPr>
         <p:spPr>
           <a:xfrm>
-            <a:off x="1619671" y="1700808"/>
-            <a:ext cx="1484461" cy="1080120"/>
+            <a:off x="1376326" y="1700808"/>
+            <a:ext cx="1080121" cy="1080120"/>
           </a:xfrm>
           <a:prstGeom prst="flowChartProcess">
             <a:avLst/>
@@ -9315,8 +10094,8 @@
           <a:p>
             <a:pPr algn="ctr"/>
             <a:r>
-              <a:rPr lang="ko-KR" altLang="en-US" sz="1200" dirty="0" err="1" smtClean="0"/>
-              <a:t>마왕성</a:t>
+              <a:rPr lang="ko-KR" altLang="en-US" sz="1200" dirty="0" smtClean="0"/>
+              <a:t>성문 </a:t>
             </a:r>
             <a:endParaRPr lang="en-US" altLang="ko-KR" sz="1200" dirty="0" smtClean="0"/>
           </a:p>
@@ -9369,8 +10148,8 @@
         </p:nvSpPr>
         <p:spPr>
           <a:xfrm>
-            <a:off x="3275856" y="1700808"/>
-            <a:ext cx="1484461" cy="1080120"/>
+            <a:off x="2591780" y="1684736"/>
+            <a:ext cx="1215838" cy="1080120"/>
           </a:xfrm>
           <a:prstGeom prst="flowChartProcess">
             <a:avLst/>
@@ -9459,8 +10238,8 @@
         </p:nvSpPr>
         <p:spPr>
           <a:xfrm>
-            <a:off x="1613764" y="2924944"/>
-            <a:ext cx="1484461" cy="1080120"/>
+            <a:off x="1370420" y="2931548"/>
+            <a:ext cx="1221359" cy="1080120"/>
           </a:xfrm>
           <a:prstGeom prst="flowChartProcess">
             <a:avLst/>
@@ -9553,8 +10332,8 @@
         </p:nvSpPr>
         <p:spPr>
           <a:xfrm>
-            <a:off x="3275856" y="2924944"/>
-            <a:ext cx="1484461" cy="1080120"/>
+            <a:off x="2708089" y="2924944"/>
+            <a:ext cx="1215839" cy="1080120"/>
           </a:xfrm>
           <a:prstGeom prst="flowChartProcess">
             <a:avLst/>
@@ -9905,7 +10684,7 @@
         </p:nvSpPr>
         <p:spPr>
           <a:xfrm>
-            <a:off x="4580297" y="1700807"/>
+            <a:off x="2435589" y="1700808"/>
             <a:ext cx="360040" cy="336243"/>
           </a:xfrm>
           <a:prstGeom prst="flowChartProcess">
@@ -9954,7 +10733,7 @@
         </p:nvSpPr>
         <p:spPr>
           <a:xfrm>
-            <a:off x="4596615" y="2924279"/>
+            <a:off x="2435589" y="2931548"/>
             <a:ext cx="360040" cy="336243"/>
           </a:xfrm>
           <a:prstGeom prst="flowChartProcess">
@@ -9997,13 +10776,168 @@
       </p:sp>
       <p:sp>
         <p:nvSpPr>
+          <p:cNvPr id="4" name="직사각형 3"/>
+          <p:cNvSpPr/>
+          <p:nvPr/>
+        </p:nvSpPr>
+        <p:spPr>
+          <a:xfrm>
+            <a:off x="3923928" y="1674778"/>
+            <a:ext cx="1016410" cy="1090078"/>
+          </a:xfrm>
+          <a:prstGeom prst="rect">
+            <a:avLst/>
+          </a:prstGeom>
+          <a:solidFill>
+            <a:schemeClr val="tx2">
+              <a:lumMod val="60000"/>
+              <a:lumOff val="40000"/>
+            </a:schemeClr>
+          </a:solidFill>
+        </p:spPr>
+        <p:style>
+          <a:lnRef idx="2">
+            <a:schemeClr val="accent1">
+              <a:shade val="50000"/>
+            </a:schemeClr>
+          </a:lnRef>
+          <a:fillRef idx="1">
+            <a:schemeClr val="accent1"/>
+          </a:fillRef>
+          <a:effectRef idx="0">
+            <a:schemeClr val="accent1"/>
+          </a:effectRef>
+          <a:fontRef idx="minor">
+            <a:schemeClr val="lt1"/>
+          </a:fontRef>
+        </p:style>
+        <p:txBody>
+          <a:bodyPr rtlCol="0" anchor="ctr"/>
+          <a:lstStyle/>
+          <a:p>
+            <a:pPr algn="ctr"/>
+            <a:r>
+              <a:rPr lang="ko-KR" altLang="en-US" sz="1200" dirty="0" smtClean="0"/>
+              <a:t>미니</a:t>
+            </a:r>
+            <a:endParaRPr lang="en-US" altLang="ko-KR" sz="1200" dirty="0" smtClean="0"/>
+          </a:p>
+          <a:p>
+            <a:pPr algn="ctr"/>
+            <a:r>
+              <a:rPr lang="ko-KR" altLang="en-US" sz="1200" dirty="0" smtClean="0"/>
+              <a:t>타워</a:t>
+            </a:r>
+            <a:endParaRPr lang="en-US" altLang="ko-KR" sz="1200" dirty="0" smtClean="0"/>
+          </a:p>
+        </p:txBody>
+      </p:sp>
+      <p:sp>
+        <p:nvSpPr>
+          <p:cNvPr id="9" name="직사각형 8"/>
+          <p:cNvSpPr/>
+          <p:nvPr/>
+        </p:nvSpPr>
+        <p:spPr>
+          <a:xfrm>
+            <a:off x="4139952" y="3093065"/>
+            <a:ext cx="800386" cy="336243"/>
+          </a:xfrm>
+          <a:prstGeom prst="rect">
+            <a:avLst/>
+          </a:prstGeom>
+          <a:solidFill>
+            <a:srgbClr val="00B050"/>
+          </a:solidFill>
+        </p:spPr>
+        <p:style>
+          <a:lnRef idx="2">
+            <a:schemeClr val="accent1">
+              <a:shade val="50000"/>
+            </a:schemeClr>
+          </a:lnRef>
+          <a:fillRef idx="1">
+            <a:schemeClr val="accent1"/>
+          </a:fillRef>
+          <a:effectRef idx="0">
+            <a:schemeClr val="accent1"/>
+          </a:effectRef>
+          <a:fontRef idx="minor">
+            <a:schemeClr val="lt1"/>
+          </a:fontRef>
+        </p:style>
+        <p:txBody>
+          <a:bodyPr rtlCol="0" anchor="ctr"/>
+          <a:lstStyle/>
+          <a:p>
+            <a:pPr algn="ctr"/>
+            <a:r>
+              <a:rPr lang="ko-KR" altLang="en-US" sz="1200" dirty="0" smtClean="0"/>
+              <a:t>계속하</a:t>
+            </a:r>
+            <a:r>
+              <a:rPr lang="ko-KR" altLang="en-US" sz="1200" dirty="0"/>
+              <a:t>기</a:t>
+            </a:r>
+          </a:p>
+        </p:txBody>
+      </p:sp>
+      <p:sp>
+        <p:nvSpPr>
+          <p:cNvPr id="20" name="직사각형 19"/>
+          <p:cNvSpPr/>
+          <p:nvPr/>
+        </p:nvSpPr>
+        <p:spPr>
+          <a:xfrm>
+            <a:off x="4139952" y="3498604"/>
+            <a:ext cx="800386" cy="336243"/>
+          </a:xfrm>
+          <a:prstGeom prst="rect">
+            <a:avLst/>
+          </a:prstGeom>
+          <a:solidFill>
+            <a:srgbClr val="00B050"/>
+          </a:solidFill>
+        </p:spPr>
+        <p:style>
+          <a:lnRef idx="2">
+            <a:schemeClr val="accent1">
+              <a:shade val="50000"/>
+            </a:schemeClr>
+          </a:lnRef>
+          <a:fillRef idx="1">
+            <a:schemeClr val="accent1"/>
+          </a:fillRef>
+          <a:effectRef idx="0">
+            <a:schemeClr val="accent1"/>
+          </a:effectRef>
+          <a:fontRef idx="minor">
+            <a:schemeClr val="lt1"/>
+          </a:fontRef>
+        </p:style>
+        <p:txBody>
+          <a:bodyPr rtlCol="0" anchor="ctr"/>
+          <a:lstStyle/>
+          <a:p>
+            <a:pPr algn="ctr"/>
+            <a:r>
+              <a:rPr lang="ko-KR" altLang="en-US" sz="1200" dirty="0" err="1" smtClean="0"/>
+              <a:t>메인화면</a:t>
+            </a:r>
+            <a:endParaRPr lang="ko-KR" altLang="en-US" sz="1200" dirty="0"/>
+          </a:p>
+        </p:txBody>
+      </p:sp>
+      <p:sp>
+        <p:nvSpPr>
           <p:cNvPr id="19" name="순서도: 처리 18"/>
           <p:cNvSpPr/>
           <p:nvPr/>
         </p:nvSpPr>
         <p:spPr>
           <a:xfrm>
-            <a:off x="6120172" y="1716240"/>
+            <a:off x="3743908" y="1684736"/>
             <a:ext cx="360040" cy="336243"/>
           </a:xfrm>
           <a:prstGeom prst="flowChartProcess">
@@ -10039,6 +10973,153 @@
             <a:r>
               <a:rPr lang="en-US" altLang="ko-KR" dirty="0"/>
               <a:t>6</a:t>
+            </a:r>
+            <a:endParaRPr lang="ko-KR" altLang="en-US" dirty="0"/>
+          </a:p>
+        </p:txBody>
+      </p:sp>
+      <p:sp>
+        <p:nvSpPr>
+          <p:cNvPr id="21" name="순서도: 처리 20"/>
+          <p:cNvSpPr/>
+          <p:nvPr/>
+        </p:nvSpPr>
+        <p:spPr>
+          <a:xfrm>
+            <a:off x="3959932" y="2817035"/>
+            <a:ext cx="360040" cy="336243"/>
+          </a:xfrm>
+          <a:prstGeom prst="flowChartProcess">
+            <a:avLst/>
+          </a:prstGeom>
+          <a:solidFill>
+            <a:schemeClr val="bg2">
+              <a:lumMod val="50000"/>
+            </a:schemeClr>
+          </a:solidFill>
+        </p:spPr>
+        <p:style>
+          <a:lnRef idx="2">
+            <a:schemeClr val="accent1">
+              <a:shade val="50000"/>
+            </a:schemeClr>
+          </a:lnRef>
+          <a:fillRef idx="1">
+            <a:schemeClr val="accent1"/>
+          </a:fillRef>
+          <a:effectRef idx="0">
+            <a:schemeClr val="accent1"/>
+          </a:effectRef>
+          <a:fontRef idx="minor">
+            <a:schemeClr val="lt1"/>
+          </a:fontRef>
+        </p:style>
+        <p:txBody>
+          <a:bodyPr rtlCol="0" anchor="ctr"/>
+          <a:lstStyle/>
+          <a:p>
+            <a:pPr algn="ctr"/>
+            <a:r>
+              <a:rPr lang="en-US" altLang="ko-KR" dirty="0" smtClean="0"/>
+              <a:t>8</a:t>
+            </a:r>
+            <a:endParaRPr lang="ko-KR" altLang="en-US" dirty="0"/>
+          </a:p>
+        </p:txBody>
+      </p:sp>
+      <p:sp>
+        <p:nvSpPr>
+          <p:cNvPr id="22" name="순서도: 처리 21"/>
+          <p:cNvSpPr/>
+          <p:nvPr/>
+        </p:nvSpPr>
+        <p:spPr>
+          <a:xfrm>
+            <a:off x="3923928" y="3834847"/>
+            <a:ext cx="360040" cy="336243"/>
+          </a:xfrm>
+          <a:prstGeom prst="flowChartProcess">
+            <a:avLst/>
+          </a:prstGeom>
+          <a:solidFill>
+            <a:schemeClr val="bg2">
+              <a:lumMod val="50000"/>
+            </a:schemeClr>
+          </a:solidFill>
+        </p:spPr>
+        <p:style>
+          <a:lnRef idx="2">
+            <a:schemeClr val="accent1">
+              <a:shade val="50000"/>
+            </a:schemeClr>
+          </a:lnRef>
+          <a:fillRef idx="1">
+            <a:schemeClr val="accent1"/>
+          </a:fillRef>
+          <a:effectRef idx="0">
+            <a:schemeClr val="accent1"/>
+          </a:effectRef>
+          <a:fontRef idx="minor">
+            <a:schemeClr val="lt1"/>
+          </a:fontRef>
+        </p:style>
+        <p:txBody>
+          <a:bodyPr rtlCol="0" anchor="ctr"/>
+          <a:lstStyle/>
+          <a:p>
+            <a:pPr algn="ctr"/>
+            <a:r>
+              <a:rPr lang="en-US" altLang="ko-KR" dirty="0" smtClean="0"/>
+              <a:t>9</a:t>
+            </a:r>
+            <a:endParaRPr lang="ko-KR" altLang="en-US" dirty="0"/>
+          </a:p>
+        </p:txBody>
+      </p:sp>
+      <p:sp>
+        <p:nvSpPr>
+          <p:cNvPr id="23" name="순서도: 처리 22"/>
+          <p:cNvSpPr/>
+          <p:nvPr/>
+        </p:nvSpPr>
+        <p:spPr>
+          <a:xfrm>
+            <a:off x="4896036" y="1637517"/>
+            <a:ext cx="360040" cy="336243"/>
+          </a:xfrm>
+          <a:prstGeom prst="flowChartProcess">
+            <a:avLst/>
+          </a:prstGeom>
+          <a:solidFill>
+            <a:schemeClr val="bg2">
+              <a:lumMod val="50000"/>
+            </a:schemeClr>
+          </a:solidFill>
+        </p:spPr>
+        <p:style>
+          <a:lnRef idx="2">
+            <a:schemeClr val="accent1">
+              <a:shade val="50000"/>
+            </a:schemeClr>
+          </a:lnRef>
+          <a:fillRef idx="1">
+            <a:schemeClr val="accent1"/>
+          </a:fillRef>
+          <a:effectRef idx="0">
+            <a:schemeClr val="accent1"/>
+          </a:effectRef>
+          <a:fontRef idx="minor">
+            <a:schemeClr val="lt1"/>
+          </a:fontRef>
+        </p:style>
+        <p:txBody>
+          <a:bodyPr rtlCol="0" anchor="ctr"/>
+          <a:lstStyle/>
+          <a:p>
+            <a:pPr algn="ctr"/>
+            <a:r>
+              <a:rPr lang="en-US" altLang="ko-KR" dirty="0"/>
+              <a:t>7</a:t>
             </a:r>
             <a:endParaRPr lang="ko-KR" altLang="en-US" dirty="0"/>
           </a:p>
@@ -11374,6 +12455,1154 @@
       </p:par>
     </p:tnLst>
   </p:timing>
+</p:sld>
+</file>
+
+<file path=ppt/slides/slide17.xml><?xml version="1.0" encoding="utf-8"?>
+<p:sld xmlns:a="http://schemas.openxmlformats.org/drawingml/2006/main" xmlns:r="http://schemas.openxmlformats.org/officeDocument/2006/relationships" xmlns:p="http://schemas.openxmlformats.org/presentationml/2006/main">
+  <p:cSld>
+    <p:spTree>
+      <p:nvGrpSpPr>
+        <p:cNvPr id="1" name=""/>
+        <p:cNvGrpSpPr/>
+        <p:nvPr/>
+      </p:nvGrpSpPr>
+      <p:grpSpPr>
+        <a:xfrm>
+          <a:off x="0" y="0"/>
+          <a:ext cx="0" cy="0"/>
+          <a:chOff x="0" y="0"/>
+          <a:chExt cx="0" cy="0"/>
+        </a:xfrm>
+      </p:grpSpPr>
+      <p:sp>
+        <p:nvSpPr>
+          <p:cNvPr id="2" name="제목 1"/>
+          <p:cNvSpPr>
+            <a:spLocks noGrp="1"/>
+          </p:cNvSpPr>
+          <p:nvPr>
+            <p:ph type="title"/>
+          </p:nvPr>
+        </p:nvSpPr>
+        <p:spPr/>
+        <p:txBody>
+          <a:bodyPr/>
+          <a:lstStyle/>
+          <a:p>
+            <a:endParaRPr lang="ko-KR" altLang="en-US"/>
+          </a:p>
+        </p:txBody>
+      </p:sp>
+      <p:sp>
+        <p:nvSpPr>
+          <p:cNvPr id="3" name="내용 개체 틀 2"/>
+          <p:cNvSpPr>
+            <a:spLocks noGrp="1"/>
+          </p:cNvSpPr>
+          <p:nvPr>
+            <p:ph idx="1"/>
+          </p:nvPr>
+        </p:nvSpPr>
+        <p:spPr/>
+        <p:txBody>
+          <a:bodyPr/>
+          <a:lstStyle/>
+          <a:p>
+            <a:endParaRPr lang="ko-KR" altLang="en-US" dirty="0"/>
+          </a:p>
+        </p:txBody>
+      </p:sp>
+      <p:sp>
+        <p:nvSpPr>
+          <p:cNvPr id="5" name="순서도: 처리 4"/>
+          <p:cNvSpPr/>
+          <p:nvPr/>
+        </p:nvSpPr>
+        <p:spPr>
+          <a:xfrm>
+            <a:off x="1043608" y="2564904"/>
+            <a:ext cx="5273178" cy="2880320"/>
+          </a:xfrm>
+          <a:prstGeom prst="flowChartProcess">
+            <a:avLst/>
+          </a:prstGeom>
+          <a:solidFill>
+            <a:srgbClr val="0070C0"/>
+          </a:solidFill>
+        </p:spPr>
+        <p:style>
+          <a:lnRef idx="2">
+            <a:schemeClr val="accent1">
+              <a:shade val="50000"/>
+            </a:schemeClr>
+          </a:lnRef>
+          <a:fillRef idx="1">
+            <a:schemeClr val="accent1"/>
+          </a:fillRef>
+          <a:effectRef idx="0">
+            <a:schemeClr val="accent1"/>
+          </a:effectRef>
+          <a:fontRef idx="minor">
+            <a:schemeClr val="lt1"/>
+          </a:fontRef>
+        </p:style>
+        <p:txBody>
+          <a:bodyPr rtlCol="0" anchor="ctr"/>
+          <a:lstStyle/>
+          <a:p>
+            <a:pPr algn="ctr"/>
+            <a:endParaRPr lang="ko-KR" altLang="en-US" dirty="0"/>
+          </a:p>
+        </p:txBody>
+      </p:sp>
+      <p:sp>
+        <p:nvSpPr>
+          <p:cNvPr id="6" name="직사각형 5"/>
+          <p:cNvSpPr/>
+          <p:nvPr/>
+        </p:nvSpPr>
+        <p:spPr>
+          <a:xfrm>
+            <a:off x="1475656" y="2924944"/>
+            <a:ext cx="1296144" cy="1008112"/>
+          </a:xfrm>
+          <a:prstGeom prst="rect">
+            <a:avLst/>
+          </a:prstGeom>
+          <a:solidFill>
+            <a:srgbClr val="00B0F0"/>
+          </a:solidFill>
+        </p:spPr>
+        <p:style>
+          <a:lnRef idx="2">
+            <a:schemeClr val="accent1">
+              <a:shade val="50000"/>
+            </a:schemeClr>
+          </a:lnRef>
+          <a:fillRef idx="1">
+            <a:schemeClr val="accent1"/>
+          </a:fillRef>
+          <a:effectRef idx="0">
+            <a:schemeClr val="accent1"/>
+          </a:effectRef>
+          <a:fontRef idx="minor">
+            <a:schemeClr val="lt1"/>
+          </a:fontRef>
+        </p:style>
+        <p:txBody>
+          <a:bodyPr rtlCol="0" anchor="ctr"/>
+          <a:lstStyle/>
+          <a:p>
+            <a:pPr algn="ctr"/>
+            <a:r>
+              <a:rPr lang="en-US" altLang="ko-KR" dirty="0" smtClean="0"/>
+              <a:t>1</a:t>
+            </a:r>
+            <a:r>
+              <a:rPr lang="ko-KR" altLang="en-US" dirty="0" err="1" smtClean="0"/>
+              <a:t>번타워</a:t>
+            </a:r>
+            <a:endParaRPr lang="en-US" altLang="ko-KR" dirty="0" smtClean="0"/>
+          </a:p>
+          <a:p>
+            <a:pPr algn="ctr"/>
+            <a:r>
+              <a:rPr lang="ko-KR" altLang="en-US" dirty="0" smtClean="0"/>
+              <a:t>속성 </a:t>
+            </a:r>
+            <a:r>
+              <a:rPr lang="en-US" altLang="ko-KR" dirty="0" smtClean="0"/>
+              <a:t>: 00</a:t>
+            </a:r>
+          </a:p>
+          <a:p>
+            <a:pPr algn="ctr"/>
+            <a:r>
+              <a:rPr lang="ko-KR" altLang="en-US" dirty="0" smtClean="0"/>
+              <a:t>능력 </a:t>
+            </a:r>
+            <a:r>
+              <a:rPr lang="en-US" altLang="ko-KR" dirty="0" smtClean="0"/>
+              <a:t>: 00</a:t>
+            </a:r>
+            <a:endParaRPr lang="ko-KR" altLang="en-US" dirty="0"/>
+          </a:p>
+        </p:txBody>
+      </p:sp>
+      <p:sp>
+        <p:nvSpPr>
+          <p:cNvPr id="7" name="직사각형 6"/>
+          <p:cNvSpPr/>
+          <p:nvPr/>
+        </p:nvSpPr>
+        <p:spPr>
+          <a:xfrm>
+            <a:off x="3275856" y="2924944"/>
+            <a:ext cx="1296144" cy="1008112"/>
+          </a:xfrm>
+          <a:prstGeom prst="rect">
+            <a:avLst/>
+          </a:prstGeom>
+          <a:solidFill>
+            <a:srgbClr val="00B0F0"/>
+          </a:solidFill>
+        </p:spPr>
+        <p:style>
+          <a:lnRef idx="2">
+            <a:schemeClr val="accent1">
+              <a:shade val="50000"/>
+            </a:schemeClr>
+          </a:lnRef>
+          <a:fillRef idx="1">
+            <a:schemeClr val="accent1"/>
+          </a:fillRef>
+          <a:effectRef idx="0">
+            <a:schemeClr val="accent1"/>
+          </a:effectRef>
+          <a:fontRef idx="minor">
+            <a:schemeClr val="lt1"/>
+          </a:fontRef>
+        </p:style>
+        <p:txBody>
+          <a:bodyPr rtlCol="0" anchor="ctr"/>
+          <a:lstStyle/>
+          <a:p>
+            <a:pPr algn="ctr"/>
+            <a:r>
+              <a:rPr lang="en-US" altLang="ko-KR" dirty="0"/>
+              <a:t>2</a:t>
+            </a:r>
+            <a:r>
+              <a:rPr lang="ko-KR" altLang="en-US" dirty="0" err="1" smtClean="0"/>
+              <a:t>번타워</a:t>
+            </a:r>
+            <a:endParaRPr lang="en-US" altLang="ko-KR" dirty="0" smtClean="0"/>
+          </a:p>
+          <a:p>
+            <a:pPr algn="ctr"/>
+            <a:r>
+              <a:rPr lang="ko-KR" altLang="en-US" dirty="0" smtClean="0"/>
+              <a:t>속성 </a:t>
+            </a:r>
+            <a:r>
+              <a:rPr lang="en-US" altLang="ko-KR" dirty="0" smtClean="0"/>
+              <a:t>: 00</a:t>
+            </a:r>
+          </a:p>
+          <a:p>
+            <a:pPr algn="ctr"/>
+            <a:r>
+              <a:rPr lang="ko-KR" altLang="en-US" dirty="0" smtClean="0"/>
+              <a:t>능력 </a:t>
+            </a:r>
+            <a:r>
+              <a:rPr lang="en-US" altLang="ko-KR" dirty="0" smtClean="0"/>
+              <a:t>: 00</a:t>
+            </a:r>
+            <a:endParaRPr lang="ko-KR" altLang="en-US" dirty="0"/>
+          </a:p>
+        </p:txBody>
+      </p:sp>
+      <p:sp>
+        <p:nvSpPr>
+          <p:cNvPr id="8" name="직사각형 7"/>
+          <p:cNvSpPr/>
+          <p:nvPr/>
+        </p:nvSpPr>
+        <p:spPr>
+          <a:xfrm>
+            <a:off x="1475656" y="4077072"/>
+            <a:ext cx="1296144" cy="1008112"/>
+          </a:xfrm>
+          <a:prstGeom prst="rect">
+            <a:avLst/>
+          </a:prstGeom>
+          <a:solidFill>
+            <a:srgbClr val="00B0F0"/>
+          </a:solidFill>
+        </p:spPr>
+        <p:style>
+          <a:lnRef idx="2">
+            <a:schemeClr val="accent1">
+              <a:shade val="50000"/>
+            </a:schemeClr>
+          </a:lnRef>
+          <a:fillRef idx="1">
+            <a:schemeClr val="accent1"/>
+          </a:fillRef>
+          <a:effectRef idx="0">
+            <a:schemeClr val="accent1"/>
+          </a:effectRef>
+          <a:fontRef idx="minor">
+            <a:schemeClr val="lt1"/>
+          </a:fontRef>
+        </p:style>
+        <p:txBody>
+          <a:bodyPr rtlCol="0" anchor="ctr"/>
+          <a:lstStyle/>
+          <a:p>
+            <a:pPr algn="ctr"/>
+            <a:r>
+              <a:rPr lang="en-US" altLang="ko-KR" dirty="0"/>
+              <a:t>3</a:t>
+            </a:r>
+            <a:r>
+              <a:rPr lang="ko-KR" altLang="en-US" dirty="0" err="1" smtClean="0"/>
+              <a:t>번타워</a:t>
+            </a:r>
+            <a:endParaRPr lang="en-US" altLang="ko-KR" dirty="0" smtClean="0"/>
+          </a:p>
+          <a:p>
+            <a:pPr algn="ctr"/>
+            <a:r>
+              <a:rPr lang="ko-KR" altLang="en-US" dirty="0" smtClean="0"/>
+              <a:t>속성 </a:t>
+            </a:r>
+            <a:r>
+              <a:rPr lang="en-US" altLang="ko-KR" dirty="0" smtClean="0"/>
+              <a:t>: 00</a:t>
+            </a:r>
+          </a:p>
+          <a:p>
+            <a:pPr algn="ctr"/>
+            <a:r>
+              <a:rPr lang="ko-KR" altLang="en-US" dirty="0" smtClean="0"/>
+              <a:t>능력 </a:t>
+            </a:r>
+            <a:r>
+              <a:rPr lang="en-US" altLang="ko-KR" dirty="0" smtClean="0"/>
+              <a:t>: 00</a:t>
+            </a:r>
+            <a:endParaRPr lang="ko-KR" altLang="en-US" dirty="0"/>
+          </a:p>
+        </p:txBody>
+      </p:sp>
+      <p:sp>
+        <p:nvSpPr>
+          <p:cNvPr id="9" name="직사각형 8"/>
+          <p:cNvSpPr/>
+          <p:nvPr/>
+        </p:nvSpPr>
+        <p:spPr>
+          <a:xfrm>
+            <a:off x="3275856" y="4077072"/>
+            <a:ext cx="1296144" cy="1008112"/>
+          </a:xfrm>
+          <a:prstGeom prst="rect">
+            <a:avLst/>
+          </a:prstGeom>
+          <a:solidFill>
+            <a:srgbClr val="00B0F0"/>
+          </a:solidFill>
+        </p:spPr>
+        <p:style>
+          <a:lnRef idx="2">
+            <a:schemeClr val="accent1">
+              <a:shade val="50000"/>
+            </a:schemeClr>
+          </a:lnRef>
+          <a:fillRef idx="1">
+            <a:schemeClr val="accent1"/>
+          </a:fillRef>
+          <a:effectRef idx="0">
+            <a:schemeClr val="accent1"/>
+          </a:effectRef>
+          <a:fontRef idx="minor">
+            <a:schemeClr val="lt1"/>
+          </a:fontRef>
+        </p:style>
+        <p:txBody>
+          <a:bodyPr rtlCol="0" anchor="ctr"/>
+          <a:lstStyle/>
+          <a:p>
+            <a:pPr algn="ctr"/>
+            <a:r>
+              <a:rPr lang="en-US" altLang="ko-KR" dirty="0"/>
+              <a:t>4</a:t>
+            </a:r>
+            <a:r>
+              <a:rPr lang="ko-KR" altLang="en-US" dirty="0" err="1" smtClean="0"/>
+              <a:t>번타워</a:t>
+            </a:r>
+            <a:endParaRPr lang="en-US" altLang="ko-KR" dirty="0" smtClean="0"/>
+          </a:p>
+          <a:p>
+            <a:pPr algn="ctr"/>
+            <a:r>
+              <a:rPr lang="ko-KR" altLang="en-US" dirty="0" smtClean="0"/>
+              <a:t>속성 </a:t>
+            </a:r>
+            <a:r>
+              <a:rPr lang="en-US" altLang="ko-KR" dirty="0" smtClean="0"/>
+              <a:t>: 00</a:t>
+            </a:r>
+          </a:p>
+          <a:p>
+            <a:pPr algn="ctr"/>
+            <a:r>
+              <a:rPr lang="ko-KR" altLang="en-US" dirty="0" smtClean="0"/>
+              <a:t>능력 </a:t>
+            </a:r>
+            <a:r>
+              <a:rPr lang="en-US" altLang="ko-KR" dirty="0" smtClean="0"/>
+              <a:t>: 00</a:t>
+            </a:r>
+            <a:endParaRPr lang="ko-KR" altLang="en-US" dirty="0"/>
+          </a:p>
+        </p:txBody>
+      </p:sp>
+      <p:sp>
+        <p:nvSpPr>
+          <p:cNvPr id="10" name="순서도: 처리 9"/>
+          <p:cNvSpPr/>
+          <p:nvPr/>
+        </p:nvSpPr>
+        <p:spPr>
+          <a:xfrm>
+            <a:off x="1187624" y="2924944"/>
+            <a:ext cx="468052" cy="336243"/>
+          </a:xfrm>
+          <a:prstGeom prst="flowChartProcess">
+            <a:avLst/>
+          </a:prstGeom>
+          <a:solidFill>
+            <a:schemeClr val="bg2">
+              <a:lumMod val="50000"/>
+            </a:schemeClr>
+          </a:solidFill>
+        </p:spPr>
+        <p:style>
+          <a:lnRef idx="2">
+            <a:schemeClr val="accent1">
+              <a:shade val="50000"/>
+            </a:schemeClr>
+          </a:lnRef>
+          <a:fillRef idx="1">
+            <a:schemeClr val="accent1"/>
+          </a:fillRef>
+          <a:effectRef idx="0">
+            <a:schemeClr val="accent1"/>
+          </a:effectRef>
+          <a:fontRef idx="minor">
+            <a:schemeClr val="lt1"/>
+          </a:fontRef>
+        </p:style>
+        <p:txBody>
+          <a:bodyPr rtlCol="0" anchor="ctr"/>
+          <a:lstStyle/>
+          <a:p>
+            <a:pPr algn="ctr"/>
+            <a:r>
+              <a:rPr lang="en-US" altLang="ko-KR" dirty="0" smtClean="0"/>
+              <a:t>10</a:t>
+            </a:r>
+            <a:endParaRPr lang="ko-KR" altLang="en-US" dirty="0"/>
+          </a:p>
+        </p:txBody>
+      </p:sp>
+      <p:sp>
+        <p:nvSpPr>
+          <p:cNvPr id="12" name="직사각형 11"/>
+          <p:cNvSpPr/>
+          <p:nvPr/>
+        </p:nvSpPr>
+        <p:spPr>
+          <a:xfrm>
+            <a:off x="4891246" y="4205506"/>
+            <a:ext cx="1080120" cy="576064"/>
+          </a:xfrm>
+          <a:prstGeom prst="rect">
+            <a:avLst/>
+          </a:prstGeom>
+          <a:solidFill>
+            <a:srgbClr val="00B050"/>
+          </a:solidFill>
+        </p:spPr>
+        <p:style>
+          <a:lnRef idx="2">
+            <a:schemeClr val="accent1">
+              <a:shade val="50000"/>
+            </a:schemeClr>
+          </a:lnRef>
+          <a:fillRef idx="1">
+            <a:schemeClr val="accent1"/>
+          </a:fillRef>
+          <a:effectRef idx="0">
+            <a:schemeClr val="accent1"/>
+          </a:effectRef>
+          <a:fontRef idx="minor">
+            <a:schemeClr val="lt1"/>
+          </a:fontRef>
+        </p:style>
+        <p:txBody>
+          <a:bodyPr rtlCol="0" anchor="ctr"/>
+          <a:lstStyle/>
+          <a:p>
+            <a:pPr algn="ctr"/>
+            <a:r>
+              <a:rPr lang="ko-KR" altLang="en-US" sz="1200" dirty="0" smtClean="0"/>
+              <a:t>돌아가기</a:t>
+            </a:r>
+            <a:endParaRPr lang="ko-KR" altLang="en-US" sz="1200" dirty="0"/>
+          </a:p>
+        </p:txBody>
+      </p:sp>
+      <p:sp>
+        <p:nvSpPr>
+          <p:cNvPr id="13" name="직사각형 12"/>
+          <p:cNvSpPr/>
+          <p:nvPr/>
+        </p:nvSpPr>
+        <p:spPr>
+          <a:xfrm>
+            <a:off x="4891246" y="2924944"/>
+            <a:ext cx="1296144" cy="1008112"/>
+          </a:xfrm>
+          <a:prstGeom prst="rect">
+            <a:avLst/>
+          </a:prstGeom>
+          <a:solidFill>
+            <a:srgbClr val="00B0F0"/>
+          </a:solidFill>
+        </p:spPr>
+        <p:style>
+          <a:lnRef idx="2">
+            <a:schemeClr val="accent1">
+              <a:shade val="50000"/>
+            </a:schemeClr>
+          </a:lnRef>
+          <a:fillRef idx="1">
+            <a:schemeClr val="accent1"/>
+          </a:fillRef>
+          <a:effectRef idx="0">
+            <a:schemeClr val="accent1"/>
+          </a:effectRef>
+          <a:fontRef idx="minor">
+            <a:schemeClr val="lt1"/>
+          </a:fontRef>
+        </p:style>
+        <p:txBody>
+          <a:bodyPr rtlCol="0" anchor="ctr"/>
+          <a:lstStyle/>
+          <a:p>
+            <a:pPr lvl="0" algn="ctr"/>
+            <a:r>
+              <a:rPr lang="ko-KR" altLang="en-US" sz="1200" dirty="0" err="1">
+                <a:solidFill>
+                  <a:prstClr val="white"/>
+                </a:solidFill>
+              </a:rPr>
+              <a:t>공속증가</a:t>
+            </a:r>
+            <a:r>
+              <a:rPr lang="en-US" altLang="ko-KR" sz="1200" dirty="0">
+                <a:solidFill>
+                  <a:prstClr val="white"/>
+                </a:solidFill>
+              </a:rPr>
+              <a:t>:00</a:t>
+            </a:r>
+          </a:p>
+          <a:p>
+            <a:pPr lvl="0" algn="ctr"/>
+            <a:r>
+              <a:rPr lang="ko-KR" altLang="en-US" sz="1200" dirty="0">
+                <a:solidFill>
+                  <a:prstClr val="white"/>
+                </a:solidFill>
+              </a:rPr>
+              <a:t>범위증가</a:t>
+            </a:r>
+            <a:r>
+              <a:rPr lang="en-US" altLang="ko-KR" sz="1200" dirty="0">
+                <a:solidFill>
+                  <a:prstClr val="white"/>
+                </a:solidFill>
+              </a:rPr>
+              <a:t>:00</a:t>
+            </a:r>
+          </a:p>
+          <a:p>
+            <a:pPr lvl="0" algn="ctr"/>
+            <a:r>
+              <a:rPr lang="ko-KR" altLang="en-US" sz="1200" dirty="0">
+                <a:solidFill>
+                  <a:prstClr val="white"/>
+                </a:solidFill>
+              </a:rPr>
+              <a:t>포인트 </a:t>
+            </a:r>
+            <a:r>
+              <a:rPr lang="en-US" altLang="ko-KR" sz="1200" dirty="0">
+                <a:solidFill>
+                  <a:prstClr val="white"/>
+                </a:solidFill>
+              </a:rPr>
+              <a:t>:00</a:t>
+            </a:r>
+            <a:endParaRPr lang="ko-KR" altLang="en-US" sz="1200" dirty="0">
+              <a:solidFill>
+                <a:prstClr val="white"/>
+              </a:solidFill>
+            </a:endParaRPr>
+          </a:p>
+        </p:txBody>
+      </p:sp>
+      <p:sp>
+        <p:nvSpPr>
+          <p:cNvPr id="14" name="순서도: 처리 13"/>
+          <p:cNvSpPr/>
+          <p:nvPr/>
+        </p:nvSpPr>
+        <p:spPr>
+          <a:xfrm>
+            <a:off x="4641613" y="4077072"/>
+            <a:ext cx="499266" cy="336243"/>
+          </a:xfrm>
+          <a:prstGeom prst="flowChartProcess">
+            <a:avLst/>
+          </a:prstGeom>
+          <a:solidFill>
+            <a:schemeClr val="bg2">
+              <a:lumMod val="50000"/>
+            </a:schemeClr>
+          </a:solidFill>
+        </p:spPr>
+        <p:style>
+          <a:lnRef idx="2">
+            <a:schemeClr val="accent1">
+              <a:shade val="50000"/>
+            </a:schemeClr>
+          </a:lnRef>
+          <a:fillRef idx="1">
+            <a:schemeClr val="accent1"/>
+          </a:fillRef>
+          <a:effectRef idx="0">
+            <a:schemeClr val="accent1"/>
+          </a:effectRef>
+          <a:fontRef idx="minor">
+            <a:schemeClr val="lt1"/>
+          </a:fontRef>
+        </p:style>
+        <p:txBody>
+          <a:bodyPr rtlCol="0" anchor="ctr"/>
+          <a:lstStyle/>
+          <a:p>
+            <a:pPr algn="ctr"/>
+            <a:r>
+              <a:rPr lang="en-US" altLang="ko-KR" dirty="0" smtClean="0"/>
+              <a:t>12</a:t>
+            </a:r>
+            <a:endParaRPr lang="ko-KR" altLang="en-US" dirty="0"/>
+          </a:p>
+        </p:txBody>
+      </p:sp>
+      <p:sp>
+        <p:nvSpPr>
+          <p:cNvPr id="11" name="순서도: 처리 10"/>
+          <p:cNvSpPr/>
+          <p:nvPr/>
+        </p:nvSpPr>
+        <p:spPr>
+          <a:xfrm>
+            <a:off x="4689989" y="2924944"/>
+            <a:ext cx="360040" cy="336243"/>
+          </a:xfrm>
+          <a:prstGeom prst="flowChartProcess">
+            <a:avLst/>
+          </a:prstGeom>
+          <a:solidFill>
+            <a:schemeClr val="bg2">
+              <a:lumMod val="50000"/>
+            </a:schemeClr>
+          </a:solidFill>
+        </p:spPr>
+        <p:style>
+          <a:lnRef idx="2">
+            <a:schemeClr val="accent1">
+              <a:shade val="50000"/>
+            </a:schemeClr>
+          </a:lnRef>
+          <a:fillRef idx="1">
+            <a:schemeClr val="accent1"/>
+          </a:fillRef>
+          <a:effectRef idx="0">
+            <a:schemeClr val="accent1"/>
+          </a:effectRef>
+          <a:fontRef idx="minor">
+            <a:schemeClr val="lt1"/>
+          </a:fontRef>
+        </p:style>
+        <p:txBody>
+          <a:bodyPr rtlCol="0" anchor="ctr"/>
+          <a:lstStyle/>
+          <a:p>
+            <a:pPr algn="ctr"/>
+            <a:r>
+              <a:rPr lang="en-US" altLang="ko-KR" dirty="0" smtClean="0"/>
+              <a:t>11</a:t>
+            </a:r>
+            <a:endParaRPr lang="ko-KR" altLang="en-US" dirty="0"/>
+          </a:p>
+        </p:txBody>
+      </p:sp>
+    </p:spTree>
+    <p:extLst>
+      <p:ext uri="{BB962C8B-B14F-4D97-AF65-F5344CB8AC3E}">
+        <p14:creationId xmlns:p14="http://schemas.microsoft.com/office/powerpoint/2010/main" val="1664928289"/>
+      </p:ext>
+    </p:extLst>
+  </p:cSld>
+  <p:clrMapOvr>
+    <a:masterClrMapping/>
+  </p:clrMapOvr>
+</p:sld>
+</file>
+
+<file path=ppt/slides/slide18.xml><?xml version="1.0" encoding="utf-8"?>
+<p:sld xmlns:a="http://schemas.openxmlformats.org/drawingml/2006/main" xmlns:r="http://schemas.openxmlformats.org/officeDocument/2006/relationships" xmlns:p="http://schemas.openxmlformats.org/presentationml/2006/main">
+  <p:cSld>
+    <p:spTree>
+      <p:nvGrpSpPr>
+        <p:cNvPr id="1" name=""/>
+        <p:cNvGrpSpPr/>
+        <p:nvPr/>
+      </p:nvGrpSpPr>
+      <p:grpSpPr>
+        <a:xfrm>
+          <a:off x="0" y="0"/>
+          <a:ext cx="0" cy="0"/>
+          <a:chOff x="0" y="0"/>
+          <a:chExt cx="0" cy="0"/>
+        </a:xfrm>
+      </p:grpSpPr>
+      <p:sp>
+        <p:nvSpPr>
+          <p:cNvPr id="2" name="제목 1"/>
+          <p:cNvSpPr>
+            <a:spLocks noGrp="1"/>
+          </p:cNvSpPr>
+          <p:nvPr>
+            <p:ph type="title"/>
+          </p:nvPr>
+        </p:nvSpPr>
+        <p:spPr/>
+        <p:txBody>
+          <a:bodyPr/>
+          <a:lstStyle/>
+          <a:p>
+            <a:endParaRPr lang="ko-KR" altLang="en-US"/>
+          </a:p>
+        </p:txBody>
+      </p:sp>
+      <p:pic>
+        <p:nvPicPr>
+          <p:cNvPr id="4" name="내용 개체 틀 3"/>
+          <p:cNvPicPr>
+            <a:picLocks noGrp="1" noChangeAspect="1"/>
+          </p:cNvPicPr>
+          <p:nvPr>
+            <p:ph idx="1"/>
+          </p:nvPr>
+        </p:nvPicPr>
+        <p:blipFill>
+          <a:blip r:embed="rId2">
+            <a:extLst>
+              <a:ext uri="{28A0092B-C50C-407E-A947-70E740481C1C}">
+                <a14:useLocalDpi xmlns:a14="http://schemas.microsoft.com/office/drawing/2010/main" val="0"/>
+              </a:ext>
+            </a:extLst>
+          </a:blip>
+          <a:stretch>
+            <a:fillRect/>
+          </a:stretch>
+        </p:blipFill>
+        <p:spPr>
+          <a:xfrm>
+            <a:off x="2757487" y="2315369"/>
+            <a:ext cx="3629025" cy="3629025"/>
+          </a:xfrm>
+        </p:spPr>
+      </p:pic>
+      <p:sp>
+        <p:nvSpPr>
+          <p:cNvPr id="5" name="이등변 삼각형 4"/>
+          <p:cNvSpPr/>
+          <p:nvPr/>
+        </p:nvSpPr>
+        <p:spPr>
+          <a:xfrm>
+            <a:off x="2987824" y="2357856"/>
+            <a:ext cx="144016" cy="144016"/>
+          </a:xfrm>
+          <a:prstGeom prst="triangle">
+            <a:avLst/>
+          </a:prstGeom>
+          <a:solidFill>
+            <a:schemeClr val="accent3">
+              <a:lumMod val="60000"/>
+              <a:lumOff val="40000"/>
+            </a:schemeClr>
+          </a:solidFill>
+        </p:spPr>
+        <p:style>
+          <a:lnRef idx="2">
+            <a:schemeClr val="accent1">
+              <a:shade val="50000"/>
+            </a:schemeClr>
+          </a:lnRef>
+          <a:fillRef idx="1">
+            <a:schemeClr val="accent1"/>
+          </a:fillRef>
+          <a:effectRef idx="0">
+            <a:schemeClr val="accent1"/>
+          </a:effectRef>
+          <a:fontRef idx="minor">
+            <a:schemeClr val="lt1"/>
+          </a:fontRef>
+        </p:style>
+        <p:txBody>
+          <a:bodyPr rtlCol="0" anchor="ctr"/>
+          <a:lstStyle/>
+          <a:p>
+            <a:pPr algn="ctr"/>
+            <a:endParaRPr lang="ko-KR" altLang="en-US"/>
+          </a:p>
+        </p:txBody>
+      </p:sp>
+      <p:sp>
+        <p:nvSpPr>
+          <p:cNvPr id="6" name="이등변 삼각형 5"/>
+          <p:cNvSpPr/>
+          <p:nvPr/>
+        </p:nvSpPr>
+        <p:spPr>
+          <a:xfrm>
+            <a:off x="4283968" y="2520753"/>
+            <a:ext cx="144016" cy="144016"/>
+          </a:xfrm>
+          <a:prstGeom prst="triangle">
+            <a:avLst/>
+          </a:prstGeom>
+          <a:solidFill>
+            <a:schemeClr val="accent3">
+              <a:lumMod val="60000"/>
+              <a:lumOff val="40000"/>
+            </a:schemeClr>
+          </a:solidFill>
+        </p:spPr>
+        <p:style>
+          <a:lnRef idx="2">
+            <a:schemeClr val="accent1">
+              <a:shade val="50000"/>
+            </a:schemeClr>
+          </a:lnRef>
+          <a:fillRef idx="1">
+            <a:schemeClr val="accent1"/>
+          </a:fillRef>
+          <a:effectRef idx="0">
+            <a:schemeClr val="accent1"/>
+          </a:effectRef>
+          <a:fontRef idx="minor">
+            <a:schemeClr val="lt1"/>
+          </a:fontRef>
+        </p:style>
+        <p:txBody>
+          <a:bodyPr rtlCol="0" anchor="ctr"/>
+          <a:lstStyle/>
+          <a:p>
+            <a:pPr algn="ctr"/>
+            <a:endParaRPr lang="ko-KR" altLang="en-US"/>
+          </a:p>
+        </p:txBody>
+      </p:sp>
+      <p:sp>
+        <p:nvSpPr>
+          <p:cNvPr id="7" name="이등변 삼각형 6"/>
+          <p:cNvSpPr/>
+          <p:nvPr/>
+        </p:nvSpPr>
+        <p:spPr>
+          <a:xfrm>
+            <a:off x="6012160" y="2510256"/>
+            <a:ext cx="144016" cy="144016"/>
+          </a:xfrm>
+          <a:prstGeom prst="triangle">
+            <a:avLst/>
+          </a:prstGeom>
+          <a:solidFill>
+            <a:schemeClr val="accent3">
+              <a:lumMod val="60000"/>
+              <a:lumOff val="40000"/>
+            </a:schemeClr>
+          </a:solidFill>
+        </p:spPr>
+        <p:style>
+          <a:lnRef idx="2">
+            <a:schemeClr val="accent1">
+              <a:shade val="50000"/>
+            </a:schemeClr>
+          </a:lnRef>
+          <a:fillRef idx="1">
+            <a:schemeClr val="accent1"/>
+          </a:fillRef>
+          <a:effectRef idx="0">
+            <a:schemeClr val="accent1"/>
+          </a:effectRef>
+          <a:fontRef idx="minor">
+            <a:schemeClr val="lt1"/>
+          </a:fontRef>
+        </p:style>
+        <p:txBody>
+          <a:bodyPr rtlCol="0" anchor="ctr"/>
+          <a:lstStyle/>
+          <a:p>
+            <a:pPr algn="ctr"/>
+            <a:endParaRPr lang="ko-KR" altLang="en-US"/>
+          </a:p>
+        </p:txBody>
+      </p:sp>
+      <p:sp>
+        <p:nvSpPr>
+          <p:cNvPr id="8" name="이등변 삼각형 7"/>
+          <p:cNvSpPr/>
+          <p:nvPr/>
+        </p:nvSpPr>
+        <p:spPr>
+          <a:xfrm>
+            <a:off x="6012160" y="4437112"/>
+            <a:ext cx="144016" cy="144016"/>
+          </a:xfrm>
+          <a:prstGeom prst="triangle">
+            <a:avLst/>
+          </a:prstGeom>
+          <a:solidFill>
+            <a:schemeClr val="accent3">
+              <a:lumMod val="60000"/>
+              <a:lumOff val="40000"/>
+            </a:schemeClr>
+          </a:solidFill>
+        </p:spPr>
+        <p:style>
+          <a:lnRef idx="2">
+            <a:schemeClr val="accent1">
+              <a:shade val="50000"/>
+            </a:schemeClr>
+          </a:lnRef>
+          <a:fillRef idx="1">
+            <a:schemeClr val="accent1"/>
+          </a:fillRef>
+          <a:effectRef idx="0">
+            <a:schemeClr val="accent1"/>
+          </a:effectRef>
+          <a:fontRef idx="minor">
+            <a:schemeClr val="lt1"/>
+          </a:fontRef>
+        </p:style>
+        <p:txBody>
+          <a:bodyPr rtlCol="0" anchor="ctr"/>
+          <a:lstStyle/>
+          <a:p>
+            <a:pPr algn="ctr"/>
+            <a:endParaRPr lang="ko-KR" altLang="en-US"/>
+          </a:p>
+        </p:txBody>
+      </p:sp>
+      <p:sp>
+        <p:nvSpPr>
+          <p:cNvPr id="9" name="이등변 삼각형 8"/>
+          <p:cNvSpPr/>
+          <p:nvPr/>
+        </p:nvSpPr>
+        <p:spPr>
+          <a:xfrm>
+            <a:off x="6228184" y="5589240"/>
+            <a:ext cx="144016" cy="144016"/>
+          </a:xfrm>
+          <a:prstGeom prst="triangle">
+            <a:avLst/>
+          </a:prstGeom>
+          <a:solidFill>
+            <a:schemeClr val="accent3">
+              <a:lumMod val="60000"/>
+              <a:lumOff val="40000"/>
+            </a:schemeClr>
+          </a:solidFill>
+        </p:spPr>
+        <p:style>
+          <a:lnRef idx="2">
+            <a:schemeClr val="accent1">
+              <a:shade val="50000"/>
+            </a:schemeClr>
+          </a:lnRef>
+          <a:fillRef idx="1">
+            <a:schemeClr val="accent1"/>
+          </a:fillRef>
+          <a:effectRef idx="0">
+            <a:schemeClr val="accent1"/>
+          </a:effectRef>
+          <a:fontRef idx="minor">
+            <a:schemeClr val="lt1"/>
+          </a:fontRef>
+        </p:style>
+        <p:txBody>
+          <a:bodyPr rtlCol="0" anchor="ctr"/>
+          <a:lstStyle/>
+          <a:p>
+            <a:pPr algn="ctr"/>
+            <a:endParaRPr lang="ko-KR" altLang="en-US"/>
+          </a:p>
+        </p:txBody>
+      </p:sp>
+      <p:sp>
+        <p:nvSpPr>
+          <p:cNvPr id="10" name="이등변 삼각형 9"/>
+          <p:cNvSpPr/>
+          <p:nvPr/>
+        </p:nvSpPr>
+        <p:spPr>
+          <a:xfrm>
+            <a:off x="3347864" y="5157192"/>
+            <a:ext cx="144016" cy="144016"/>
+          </a:xfrm>
+          <a:prstGeom prst="triangle">
+            <a:avLst/>
+          </a:prstGeom>
+          <a:solidFill>
+            <a:schemeClr val="accent3">
+              <a:lumMod val="60000"/>
+              <a:lumOff val="40000"/>
+            </a:schemeClr>
+          </a:solidFill>
+        </p:spPr>
+        <p:style>
+          <a:lnRef idx="2">
+            <a:schemeClr val="accent1">
+              <a:shade val="50000"/>
+            </a:schemeClr>
+          </a:lnRef>
+          <a:fillRef idx="1">
+            <a:schemeClr val="accent1"/>
+          </a:fillRef>
+          <a:effectRef idx="0">
+            <a:schemeClr val="accent1"/>
+          </a:effectRef>
+          <a:fontRef idx="minor">
+            <a:schemeClr val="lt1"/>
+          </a:fontRef>
+        </p:style>
+        <p:txBody>
+          <a:bodyPr rtlCol="0" anchor="ctr"/>
+          <a:lstStyle/>
+          <a:p>
+            <a:pPr algn="ctr"/>
+            <a:endParaRPr lang="ko-KR" altLang="en-US"/>
+          </a:p>
+        </p:txBody>
+      </p:sp>
+      <p:sp>
+        <p:nvSpPr>
+          <p:cNvPr id="11" name="이등변 삼각형 10"/>
+          <p:cNvSpPr/>
+          <p:nvPr/>
+        </p:nvSpPr>
+        <p:spPr>
+          <a:xfrm>
+            <a:off x="2987824" y="4077072"/>
+            <a:ext cx="144016" cy="144016"/>
+          </a:xfrm>
+          <a:prstGeom prst="triangle">
+            <a:avLst/>
+          </a:prstGeom>
+          <a:solidFill>
+            <a:schemeClr val="accent3">
+              <a:lumMod val="60000"/>
+              <a:lumOff val="40000"/>
+            </a:schemeClr>
+          </a:solidFill>
+        </p:spPr>
+        <p:style>
+          <a:lnRef idx="2">
+            <a:schemeClr val="accent1">
+              <a:shade val="50000"/>
+            </a:schemeClr>
+          </a:lnRef>
+          <a:fillRef idx="1">
+            <a:schemeClr val="accent1"/>
+          </a:fillRef>
+          <a:effectRef idx="0">
+            <a:schemeClr val="accent1"/>
+          </a:effectRef>
+          <a:fontRef idx="minor">
+            <a:schemeClr val="lt1"/>
+          </a:fontRef>
+        </p:style>
+        <p:txBody>
+          <a:bodyPr rtlCol="0" anchor="ctr"/>
+          <a:lstStyle/>
+          <a:p>
+            <a:pPr algn="ctr"/>
+            <a:endParaRPr lang="ko-KR" altLang="en-US"/>
+          </a:p>
+        </p:txBody>
+      </p:sp>
+      <p:sp>
+        <p:nvSpPr>
+          <p:cNvPr id="12" name="이등변 삼각형 11"/>
+          <p:cNvSpPr/>
+          <p:nvPr/>
+        </p:nvSpPr>
+        <p:spPr>
+          <a:xfrm>
+            <a:off x="4716016" y="5582540"/>
+            <a:ext cx="144016" cy="144016"/>
+          </a:xfrm>
+          <a:prstGeom prst="triangle">
+            <a:avLst/>
+          </a:prstGeom>
+          <a:solidFill>
+            <a:schemeClr val="accent3">
+              <a:lumMod val="60000"/>
+              <a:lumOff val="40000"/>
+            </a:schemeClr>
+          </a:solidFill>
+        </p:spPr>
+        <p:style>
+          <a:lnRef idx="2">
+            <a:schemeClr val="accent1">
+              <a:shade val="50000"/>
+            </a:schemeClr>
+          </a:lnRef>
+          <a:fillRef idx="1">
+            <a:schemeClr val="accent1"/>
+          </a:fillRef>
+          <a:effectRef idx="0">
+            <a:schemeClr val="accent1"/>
+          </a:effectRef>
+          <a:fontRef idx="minor">
+            <a:schemeClr val="lt1"/>
+          </a:fontRef>
+        </p:style>
+        <p:txBody>
+          <a:bodyPr rtlCol="0" anchor="ctr"/>
+          <a:lstStyle/>
+          <a:p>
+            <a:pPr algn="ctr"/>
+            <a:endParaRPr lang="ko-KR" altLang="en-US"/>
+          </a:p>
+        </p:txBody>
+      </p:sp>
+    </p:spTree>
+    <p:extLst>
+      <p:ext uri="{BB962C8B-B14F-4D97-AF65-F5344CB8AC3E}">
+        <p14:creationId xmlns:p14="http://schemas.microsoft.com/office/powerpoint/2010/main" val="1001266695"/>
+      </p:ext>
+    </p:extLst>
+  </p:cSld>
+  <p:clrMapOvr>
+    <a:masterClrMapping/>
+  </p:clrMapOvr>
 </p:sld>
 </file>
 
@@ -15266,14 +17495,14 @@
           <p:nvPr>
             <p:extLst>
               <p:ext uri="{D42A27DB-BD31-4B8C-83A1-F6EECF244321}">
-                <p14:modId xmlns:p14="http://schemas.microsoft.com/office/powerpoint/2010/main" val="3008671739"/>
+                <p14:modId xmlns:p14="http://schemas.microsoft.com/office/powerpoint/2010/main" val="3090908040"/>
               </p:ext>
             </p:extLst>
           </p:nvPr>
         </p:nvGraphicFramePr>
         <p:xfrm>
-          <a:off x="467544" y="5085184"/>
-          <a:ext cx="8208913" cy="1390888"/>
+          <a:off x="395536" y="4653136"/>
+          <a:ext cx="8208913" cy="1695688"/>
         </p:xfrm>
         <a:graphic>
           <a:graphicData uri="http://schemas.openxmlformats.org/drawingml/2006/table">
@@ -15410,41 +17639,14 @@
                     <a:p>
                       <a:pPr algn="ctr" latinLnBrk="1"/>
                       <a:r>
-                        <a:rPr lang="ko-KR" altLang="en-US" sz="1400" dirty="0" smtClean="0"/>
-                        <a:t>음성커맨드 </a:t>
-                      </a:r>
-                      <a:r>
-                        <a:rPr lang="en-US" altLang="ko-KR" sz="1400" dirty="0" smtClean="0"/>
-                        <a:t>“</a:t>
-                      </a:r>
-                      <a:r>
-                        <a:rPr lang="ko-KR" altLang="en-US" sz="1400" dirty="0" err="1" smtClean="0"/>
-                        <a:t>샷</a:t>
-                      </a:r>
-                      <a:r>
-                        <a:rPr lang="en-US" altLang="ko-KR" sz="1400" baseline="0" dirty="0" smtClean="0"/>
-                        <a:t>” Or ”</a:t>
-                      </a:r>
-                      <a:r>
                         <a:rPr lang="ko-KR" altLang="en-US" sz="1400" baseline="0" dirty="0" smtClean="0"/>
-                        <a:t>풀 </a:t>
+                        <a:t>발사  버튼 </a:t>
                       </a:r>
                       <a:r>
                         <a:rPr lang="ko-KR" altLang="en-US" sz="1400" baseline="0" dirty="0" err="1" smtClean="0"/>
-                        <a:t>챠지</a:t>
-                      </a:r>
-                      <a:r>
-                        <a:rPr lang="ko-KR" altLang="en-US" sz="1400" baseline="0" dirty="0" smtClean="0"/>
-                        <a:t> </a:t>
-                      </a:r>
-                      <a:r>
-                        <a:rPr lang="ko-KR" altLang="en-US" sz="1400" baseline="0" dirty="0" err="1" smtClean="0"/>
-                        <a:t>샷</a:t>
-                      </a:r>
-                      <a:r>
-                        <a:rPr lang="en-US" altLang="ko-KR" sz="1400" baseline="0" dirty="0" smtClean="0"/>
-                        <a:t>”</a:t>
-                      </a:r>
+                        <a:t>활성화시</a:t>
+                      </a:r>
+                      <a:endParaRPr lang="en-US" altLang="ko-KR" sz="1400" baseline="0" dirty="0" smtClean="0"/>
                     </a:p>
                   </a:txBody>
                   <a:tcPr/>
@@ -15540,19 +17742,11 @@
                       <a:pPr algn="ctr" latinLnBrk="1"/>
                       <a:r>
                         <a:rPr lang="ko-KR" altLang="en-US" sz="1400" dirty="0" smtClean="0"/>
-                        <a:t>음성커맨드 </a:t>
-                      </a:r>
-                      <a:r>
-                        <a:rPr lang="en-US" altLang="ko-KR" sz="1400" dirty="0" smtClean="0"/>
-                        <a:t>“</a:t>
+                        <a:t>발사 버튼 </a:t>
                       </a:r>
                       <a:r>
                         <a:rPr lang="ko-KR" altLang="en-US" sz="1400" dirty="0" err="1" smtClean="0"/>
-                        <a:t>스탑</a:t>
-                      </a:r>
-                      <a:r>
-                        <a:rPr lang="en-US" altLang="ko-KR" sz="1400" dirty="0" smtClean="0"/>
-                        <a:t>”</a:t>
+                        <a:t>비활성화시</a:t>
                       </a:r>
                       <a:endParaRPr lang="ko-KR" altLang="en-US" sz="1400" dirty="0"/>
                     </a:p>
@@ -15569,7 +17763,7 @@
                       <a:pPr algn="ctr" latinLnBrk="1"/>
                       <a:r>
                         <a:rPr lang="ko-KR" altLang="en-US" sz="1400" dirty="0" smtClean="0"/>
-                        <a:t>회전</a:t>
+                        <a:t>완충</a:t>
                       </a:r>
                       <a:endParaRPr lang="ko-KR" altLang="en-US" sz="1400" dirty="0"/>
                     </a:p>
@@ -15587,8 +17781,90 @@
                         <a:t>-</a:t>
                       </a:r>
                       <a:r>
+                        <a:rPr lang="ko-KR" altLang="en-US" sz="1400" dirty="0" err="1" smtClean="0"/>
+                        <a:t>마나가</a:t>
+                      </a:r>
+                      <a:r>
                         <a:rPr lang="ko-KR" altLang="en-US" sz="1400" dirty="0" smtClean="0"/>
-                        <a:t>타워 방향 전환</a:t>
+                        <a:t> 최대치로 충전</a:t>
+                      </a:r>
+                      <a:endParaRPr lang="ko-KR" altLang="en-US" sz="1400" dirty="0"/>
+                    </a:p>
+                  </a:txBody>
+                  <a:tcPr/>
+                </a:tc>
+                <a:tc>
+                  <a:txBody>
+                    <a:bodyPr/>
+                    <a:lstStyle/>
+                    <a:p>
+                      <a:pPr algn="ctr" latinLnBrk="1"/>
+                      <a:r>
+                        <a:rPr lang="ko-KR" altLang="en-US" sz="1400" dirty="0" smtClean="0"/>
+                        <a:t>완충 모션</a:t>
+                      </a:r>
+                      <a:endParaRPr lang="ko-KR" altLang="en-US" sz="1400" dirty="0"/>
+                    </a:p>
+                  </a:txBody>
+                  <a:tcPr/>
+                </a:tc>
+                <a:tc>
+                  <a:txBody>
+                    <a:bodyPr/>
+                    <a:lstStyle/>
+                    <a:p>
+                      <a:pPr algn="ctr" latinLnBrk="1"/>
+                      <a:r>
+                        <a:rPr lang="ko-KR" altLang="en-US" sz="1400" dirty="0" smtClean="0"/>
+                        <a:t>마나 </a:t>
+                      </a:r>
+                      <a:r>
+                        <a:rPr lang="ko-KR" altLang="en-US" sz="1400" dirty="0" err="1" smtClean="0"/>
+                        <a:t>충전량</a:t>
+                      </a:r>
+                      <a:r>
+                        <a:rPr lang="ko-KR" altLang="en-US" sz="1400" dirty="0" smtClean="0"/>
+                        <a:t> 최대</a:t>
+                      </a:r>
+                      <a:endParaRPr lang="ko-KR" altLang="en-US" sz="1400" dirty="0"/>
+                    </a:p>
+                  </a:txBody>
+                  <a:tcPr/>
+                </a:tc>
+              </a:tr>
+              <a:tr h="133216">
+                <a:tc>
+                  <a:txBody>
+                    <a:bodyPr/>
+                    <a:lstStyle/>
+                    <a:p>
+                      <a:pPr algn="ctr" latinLnBrk="1"/>
+                      <a:r>
+                        <a:rPr lang="ko-KR" altLang="en-US" sz="1400" dirty="0" smtClean="0"/>
+                        <a:t>회전</a:t>
+                      </a:r>
+                      <a:endParaRPr lang="ko-KR" altLang="en-US" sz="1400" dirty="0"/>
+                    </a:p>
+                  </a:txBody>
+                  <a:tcPr/>
+                </a:tc>
+                <a:tc>
+                  <a:txBody>
+                    <a:bodyPr/>
+                    <a:lstStyle/>
+                    <a:p>
+                      <a:pPr algn="ctr" latinLnBrk="1"/>
+                      <a:r>
+                        <a:rPr lang="en-US" altLang="ko-KR" sz="1400" dirty="0" smtClean="0"/>
+                        <a:t>-</a:t>
+                      </a:r>
+                      <a:r>
+                        <a:rPr lang="ko-KR" altLang="en-US" sz="1400" dirty="0" smtClean="0"/>
+                        <a:t>타워</a:t>
+                      </a:r>
+                      <a:r>
+                        <a:rPr lang="ko-KR" altLang="en-US" sz="1400" baseline="0" dirty="0" smtClean="0"/>
+                        <a:t> 방향 전환</a:t>
                       </a:r>
                       <a:endParaRPr lang="ko-KR" altLang="en-US" sz="1400" dirty="0"/>
                     </a:p>
@@ -15618,7 +17894,11 @@
                       <a:pPr algn="ctr" latinLnBrk="1"/>
                       <a:r>
                         <a:rPr lang="ko-KR" altLang="en-US" sz="1400" dirty="0" smtClean="0"/>
-                        <a:t>기기를 회전</a:t>
+                        <a:t>기기의 방향을 </a:t>
+                      </a:r>
+                      <a:r>
+                        <a:rPr lang="ko-KR" altLang="en-US" sz="1400" dirty="0" err="1" smtClean="0"/>
+                        <a:t>바꿀때</a:t>
                       </a:r>
                       <a:endParaRPr lang="ko-KR" altLang="en-US" sz="1400" dirty="0"/>
                     </a:p>
@@ -15638,8 +17918,8 @@
         </p:nvSpPr>
         <p:spPr>
           <a:xfrm>
-            <a:off x="971600" y="1628800"/>
-            <a:ext cx="1872208" cy="864096"/>
+            <a:off x="827584" y="1628800"/>
+            <a:ext cx="2016224" cy="864096"/>
           </a:xfrm>
           <a:prstGeom prst="ellipse">
             <a:avLst/>
@@ -15667,8 +17947,28 @@
           <a:p>
             <a:pPr algn="ctr"/>
             <a:r>
+              <a:rPr lang="ko-KR" altLang="en-US" dirty="0" err="1" smtClean="0"/>
+              <a:t>비발사</a:t>
+            </a:r>
+            <a:r>
               <a:rPr lang="ko-KR" altLang="en-US" dirty="0" smtClean="0"/>
-              <a:t>충전 상태</a:t>
+              <a:t> 상태</a:t>
+            </a:r>
+            <a:endParaRPr lang="en-US" altLang="ko-KR" dirty="0" smtClean="0"/>
+          </a:p>
+          <a:p>
+            <a:pPr algn="ctr"/>
+            <a:r>
+              <a:rPr lang="en-US" altLang="ko-KR" dirty="0" smtClean="0"/>
+              <a:t>(</a:t>
+            </a:r>
+            <a:r>
+              <a:rPr lang="ko-KR" altLang="en-US" dirty="0" smtClean="0"/>
+              <a:t>충전</a:t>
+            </a:r>
+            <a:r>
+              <a:rPr lang="en-US" altLang="ko-KR" dirty="0" smtClean="0"/>
+              <a:t>)</a:t>
             </a:r>
             <a:endParaRPr lang="ko-KR" altLang="en-US" dirty="0"/>
           </a:p>
@@ -15759,7 +18059,7 @@
         </p:nvCxnSpPr>
         <p:spPr>
           <a:xfrm flipH="1">
-            <a:off x="2915816" y="2636912"/>
+            <a:off x="2905919" y="2496777"/>
             <a:ext cx="2880320" cy="0"/>
           </a:xfrm>
           <a:prstGeom prst="straightConnector1">
@@ -15792,8 +18092,8 @@
         </p:nvSpPr>
         <p:spPr>
           <a:xfrm>
-            <a:off x="2987824" y="1844824"/>
-            <a:ext cx="2668423" cy="307777"/>
+            <a:off x="3578882" y="1827797"/>
+            <a:ext cx="1486304" cy="523220"/>
           </a:xfrm>
           <a:prstGeom prst="rect">
             <a:avLst/>
@@ -15808,39 +18108,14 @@
           <a:p>
             <a:r>
               <a:rPr lang="ko-KR" altLang="en-US" sz="1400" dirty="0" smtClean="0"/>
-              <a:t>음성 커맨드 </a:t>
-            </a:r>
-            <a:r>
-              <a:rPr lang="en-US" altLang="ko-KR" sz="1400" dirty="0" smtClean="0"/>
-              <a:t>“</a:t>
-            </a:r>
-            <a:r>
-              <a:rPr lang="ko-KR" altLang="en-US" sz="1400" dirty="0" err="1" smtClean="0"/>
-              <a:t>샷</a:t>
-            </a:r>
-            <a:r>
-              <a:rPr lang="en-US" altLang="ko-KR" sz="1400" dirty="0" smtClean="0"/>
-              <a:t>” or “</a:t>
-            </a:r>
+              <a:t>발사버튼 활성화</a:t>
+            </a:r>
+            <a:endParaRPr lang="en-US" altLang="ko-KR" sz="1400" dirty="0" smtClean="0"/>
+          </a:p>
+          <a:p>
             <a:r>
               <a:rPr lang="ko-KR" altLang="en-US" sz="1400" dirty="0" smtClean="0"/>
-              <a:t>풀 </a:t>
-            </a:r>
-            <a:r>
-              <a:rPr lang="ko-KR" altLang="en-US" sz="1400" dirty="0" err="1" smtClean="0"/>
-              <a:t>챠지</a:t>
-            </a:r>
-            <a:r>
-              <a:rPr lang="ko-KR" altLang="en-US" sz="1400" dirty="0" smtClean="0"/>
-              <a:t> </a:t>
-            </a:r>
-            <a:r>
-              <a:rPr lang="ko-KR" altLang="en-US" sz="1400" dirty="0" err="1" smtClean="0"/>
-              <a:t>샷</a:t>
-            </a:r>
-            <a:r>
-              <a:rPr lang="en-US" altLang="ko-KR" sz="1400" dirty="0" smtClean="0"/>
-              <a:t>”</a:t>
+              <a:t>충전이 중단됨</a:t>
             </a:r>
             <a:endParaRPr lang="ko-KR" altLang="en-US" sz="1400" dirty="0"/>
           </a:p>
@@ -15854,8 +18129,8 @@
         </p:nvSpPr>
         <p:spPr>
           <a:xfrm>
-            <a:off x="3490717" y="2787546"/>
-            <a:ext cx="1662635" cy="307777"/>
+            <a:off x="3490717" y="2696374"/>
+            <a:ext cx="1710725" cy="523220"/>
           </a:xfrm>
           <a:prstGeom prst="rect">
             <a:avLst/>
@@ -15870,19 +18145,14 @@
           <a:p>
             <a:r>
               <a:rPr lang="ko-KR" altLang="en-US" sz="1400" dirty="0" smtClean="0"/>
-              <a:t>음성 커맨드 </a:t>
-            </a:r>
-            <a:r>
-              <a:rPr lang="en-US" altLang="ko-KR" sz="1400" dirty="0" smtClean="0"/>
-              <a:t>“</a:t>
-            </a:r>
-            <a:r>
-              <a:rPr lang="ko-KR" altLang="en-US" sz="1400" dirty="0" err="1" smtClean="0"/>
-              <a:t>스탑</a:t>
-            </a:r>
-            <a:r>
-              <a:rPr lang="en-US" altLang="ko-KR" sz="1400" dirty="0" smtClean="0"/>
-              <a:t>”</a:t>
+              <a:t>발사버튼 비활성화</a:t>
+            </a:r>
+            <a:endParaRPr lang="en-US" altLang="ko-KR" sz="1400" dirty="0" smtClean="0"/>
+          </a:p>
+          <a:p>
+            <a:r>
+              <a:rPr lang="ko-KR" altLang="en-US" sz="1400" dirty="0" smtClean="0"/>
+              <a:t>충전이 다시 시작됨</a:t>
             </a:r>
             <a:endParaRPr lang="ko-KR" altLang="en-US" sz="1400" dirty="0"/>
           </a:p>
@@ -15890,13 +18160,61 @@
       </p:sp>
       <p:sp>
         <p:nvSpPr>
-          <p:cNvPr id="13" name="타원 12"/>
+          <p:cNvPr id="16" name="타원 15"/>
           <p:cNvSpPr/>
           <p:nvPr/>
         </p:nvSpPr>
         <p:spPr>
           <a:xfrm>
-            <a:off x="3385931" y="3789040"/>
+            <a:off x="841046" y="3377363"/>
+            <a:ext cx="2016224" cy="864096"/>
+          </a:xfrm>
+          <a:prstGeom prst="ellipse">
+            <a:avLst/>
+          </a:prstGeom>
+        </p:spPr>
+        <p:style>
+          <a:lnRef idx="2">
+            <a:schemeClr val="accent1">
+              <a:shade val="50000"/>
+            </a:schemeClr>
+          </a:lnRef>
+          <a:fillRef idx="1">
+            <a:schemeClr val="accent1"/>
+          </a:fillRef>
+          <a:effectRef idx="0">
+            <a:schemeClr val="accent1"/>
+          </a:effectRef>
+          <a:fontRef idx="minor">
+            <a:schemeClr val="lt1"/>
+          </a:fontRef>
+        </p:style>
+        <p:txBody>
+          <a:bodyPr rtlCol="0" anchor="ctr"/>
+          <a:lstStyle/>
+          <a:p>
+            <a:pPr algn="ctr"/>
+            <a:r>
+              <a:rPr lang="ko-KR" altLang="en-US" dirty="0" smtClean="0"/>
+              <a:t>완충 </a:t>
+            </a:r>
+            <a:r>
+              <a:rPr lang="ko-KR" altLang="en-US" dirty="0" smtClean="0"/>
+              <a:t>상태</a:t>
+            </a:r>
+            <a:endParaRPr lang="ko-KR" altLang="en-US" dirty="0"/>
+          </a:p>
+        </p:txBody>
+      </p:sp>
+      <p:sp>
+        <p:nvSpPr>
+          <p:cNvPr id="20" name="타원 19"/>
+          <p:cNvSpPr/>
+          <p:nvPr/>
+        </p:nvSpPr>
+        <p:spPr>
+          <a:xfrm>
+            <a:off x="5043143" y="3454307"/>
             <a:ext cx="1872208" cy="864096"/>
           </a:xfrm>
           <a:prstGeom prst="ellipse">
@@ -15934,88 +18252,26 @@
             </a:r>
             <a:r>
               <a:rPr lang="ko-KR" altLang="en-US" dirty="0" smtClean="0"/>
-              <a:t> 상태</a:t>
+              <a:t> </a:t>
+            </a:r>
+            <a:r>
+              <a:rPr lang="ko-KR" altLang="en-US" dirty="0" smtClean="0"/>
+              <a:t>상태</a:t>
             </a:r>
             <a:endParaRPr lang="ko-KR" altLang="en-US" dirty="0"/>
           </a:p>
         </p:txBody>
       </p:sp>
-      <p:cxnSp>
-        <p:nvCxnSpPr>
-          <p:cNvPr id="15" name="직선 화살표 연결선 14"/>
-          <p:cNvCxnSpPr/>
+      <p:sp>
+        <p:nvSpPr>
+          <p:cNvPr id="21" name="TextBox 20"/>
+          <p:cNvSpPr txBox="1"/>
           <p:nvPr/>
-        </p:nvCxnSpPr>
-        <p:spPr>
-          <a:xfrm flipH="1">
-            <a:off x="5508104" y="2636912"/>
-            <a:ext cx="1152128" cy="1152128"/>
-          </a:xfrm>
-          <a:prstGeom prst="straightConnector1">
-            <a:avLst/>
-          </a:prstGeom>
-          <a:ln>
-            <a:tailEnd type="arrow"/>
-          </a:ln>
-        </p:spPr>
-        <p:style>
-          <a:lnRef idx="1">
-            <a:schemeClr val="accent1"/>
-          </a:lnRef>
-          <a:fillRef idx="0">
-            <a:schemeClr val="accent1"/>
-          </a:fillRef>
-          <a:effectRef idx="0">
-            <a:schemeClr val="accent1"/>
-          </a:effectRef>
-          <a:fontRef idx="minor">
-            <a:schemeClr val="tx1"/>
-          </a:fontRef>
-        </p:style>
-      </p:cxnSp>
-      <p:cxnSp>
-        <p:nvCxnSpPr>
-          <p:cNvPr id="17" name="직선 화살표 연결선 16"/>
-          <p:cNvCxnSpPr/>
-          <p:nvPr/>
-        </p:nvCxnSpPr>
+        </p:nvSpPr>
         <p:spPr>
           <a:xfrm>
-            <a:off x="1907704" y="2787546"/>
-            <a:ext cx="1080120" cy="1001494"/>
-          </a:xfrm>
-          <a:prstGeom prst="straightConnector1">
-            <a:avLst/>
-          </a:prstGeom>
-          <a:ln>
-            <a:tailEnd type="arrow"/>
-          </a:ln>
-        </p:spPr>
-        <p:style>
-          <a:lnRef idx="1">
-            <a:schemeClr val="accent1"/>
-          </a:lnRef>
-          <a:fillRef idx="0">
-            <a:schemeClr val="accent1"/>
-          </a:fillRef>
-          <a:effectRef idx="0">
-            <a:schemeClr val="accent1"/>
-          </a:effectRef>
-          <a:fontRef idx="minor">
-            <a:schemeClr val="tx1"/>
-          </a:fontRef>
-        </p:style>
-      </p:cxnSp>
-      <p:sp>
-        <p:nvSpPr>
-          <p:cNvPr id="18" name="TextBox 17"/>
-          <p:cNvSpPr txBox="1"/>
-          <p:nvPr/>
-        </p:nvSpPr>
-        <p:spPr>
-          <a:xfrm>
-            <a:off x="6123607" y="3212976"/>
-            <a:ext cx="947695" cy="307777"/>
+            <a:off x="7014777" y="3622516"/>
+            <a:ext cx="1486304" cy="523220"/>
           </a:xfrm>
           <a:prstGeom prst="rect">
             <a:avLst/>
@@ -16030,7 +18286,18 @@
           <a:p>
             <a:r>
               <a:rPr lang="ko-KR" altLang="en-US" sz="1400" dirty="0" smtClean="0"/>
-              <a:t>방향 전환</a:t>
+              <a:t>기기를 회전하면</a:t>
+            </a:r>
+            <a:endParaRPr lang="en-US" altLang="ko-KR" sz="1400" dirty="0" smtClean="0"/>
+          </a:p>
+          <a:p>
+            <a:r>
+              <a:rPr lang="ko-KR" altLang="en-US" sz="1400" dirty="0" err="1" smtClean="0"/>
+              <a:t>메인타워도</a:t>
+            </a:r>
+            <a:r>
+              <a:rPr lang="ko-KR" altLang="en-US" sz="1400" dirty="0" smtClean="0"/>
+              <a:t> 회전</a:t>
             </a:r>
             <a:endParaRPr lang="ko-KR" altLang="en-US" sz="1400" dirty="0"/>
           </a:p>
@@ -16038,14 +18305,14 @@
       </p:sp>
       <p:sp>
         <p:nvSpPr>
-          <p:cNvPr id="19" name="TextBox 18"/>
+          <p:cNvPr id="22" name="TextBox 21"/>
           <p:cNvSpPr txBox="1"/>
           <p:nvPr/>
         </p:nvSpPr>
         <p:spPr>
           <a:xfrm>
-            <a:off x="1331640" y="3212976"/>
-            <a:ext cx="947695" cy="307777"/>
+            <a:off x="2916942" y="3624745"/>
+            <a:ext cx="1890261" cy="523220"/>
           </a:xfrm>
           <a:prstGeom prst="rect">
             <a:avLst/>
@@ -16059,8 +18326,31 @@
           <a:lstStyle/>
           <a:p>
             <a:r>
+              <a:rPr lang="ko-KR" altLang="en-US" sz="1400" dirty="0" err="1" smtClean="0"/>
+              <a:t>메인타워가</a:t>
+            </a:r>
+            <a:r>
               <a:rPr lang="ko-KR" altLang="en-US" sz="1400" dirty="0" smtClean="0"/>
-              <a:t>방향 전환</a:t>
+              <a:t> </a:t>
+            </a:r>
+            <a:r>
+              <a:rPr lang="ko-KR" altLang="en-US" sz="1400" dirty="0" err="1" smtClean="0"/>
+              <a:t>반짝일때</a:t>
+            </a:r>
+            <a:endParaRPr lang="en-US" altLang="ko-KR" sz="1400" dirty="0" smtClean="0"/>
+          </a:p>
+          <a:p>
+            <a:r>
+              <a:rPr lang="ko-KR" altLang="en-US" sz="1400" dirty="0" smtClean="0"/>
+              <a:t>누르면 </a:t>
+            </a:r>
+            <a:r>
+              <a:rPr lang="ko-KR" altLang="en-US" sz="1400" dirty="0" err="1" smtClean="0"/>
+              <a:t>풀차지샷</a:t>
+            </a:r>
+            <a:r>
+              <a:rPr lang="ko-KR" altLang="en-US" sz="1400" dirty="0" smtClean="0"/>
+              <a:t> 발사</a:t>
             </a:r>
             <a:endParaRPr lang="ko-KR" altLang="en-US" sz="1400" dirty="0"/>
           </a:p>
